--- a/Presentations/EAGE_Hackathon_2022_Explainable_Christmas.pptx
+++ b/Presentations/EAGE_Hackathon_2022_Explainable_Christmas.pptx
@@ -5,59 +5,55 @@
     <p:sldMasterId id="2147483659" r:id="rId1"/>
   </p:sldMasterIdLst>
   <p:notesMasterIdLst>
-    <p:notesMasterId r:id="rId21"/>
+    <p:notesMasterId r:id="rId17"/>
   </p:notesMasterIdLst>
   <p:sldIdLst>
     <p:sldId id="256" r:id="rId2"/>
     <p:sldId id="257" r:id="rId3"/>
     <p:sldId id="258" r:id="rId4"/>
-    <p:sldId id="268" r:id="rId5"/>
+    <p:sldId id="275" r:id="rId5"/>
     <p:sldId id="270" r:id="rId6"/>
-    <p:sldId id="269" r:id="rId7"/>
-    <p:sldId id="273" r:id="rId8"/>
-    <p:sldId id="274" r:id="rId9"/>
-    <p:sldId id="271" r:id="rId10"/>
-    <p:sldId id="272" r:id="rId11"/>
-    <p:sldId id="259" r:id="rId12"/>
-    <p:sldId id="260" r:id="rId13"/>
-    <p:sldId id="261" r:id="rId14"/>
-    <p:sldId id="262" r:id="rId15"/>
-    <p:sldId id="263" r:id="rId16"/>
-    <p:sldId id="264" r:id="rId17"/>
-    <p:sldId id="265" r:id="rId18"/>
-    <p:sldId id="266" r:id="rId19"/>
-    <p:sldId id="267" r:id="rId20"/>
+    <p:sldId id="276" r:id="rId7"/>
+    <p:sldId id="277" r:id="rId8"/>
+    <p:sldId id="268" r:id="rId9"/>
+    <p:sldId id="278" r:id="rId10"/>
+    <p:sldId id="280" r:id="rId11"/>
+    <p:sldId id="279" r:id="rId12"/>
+    <p:sldId id="269" r:id="rId13"/>
+    <p:sldId id="273" r:id="rId14"/>
+    <p:sldId id="274" r:id="rId15"/>
+    <p:sldId id="272" r:id="rId16"/>
   </p:sldIdLst>
   <p:sldSz cx="9144000" cy="5143500" type="screen16x9"/>
   <p:notesSz cx="6858000" cy="9144000"/>
   <p:embeddedFontLst>
     <p:embeddedFont>
       <p:font typeface="Economica" panose="020B0604020202020204" charset="0"/>
+      <p:regular r:id="rId18"/>
+      <p:bold r:id="rId19"/>
+      <p:italic r:id="rId20"/>
+      <p:boldItalic r:id="rId21"/>
+    </p:embeddedFont>
+    <p:embeddedFont>
+      <p:font typeface="Montserrat" panose="00000500000000000000" pitchFamily="2" charset="0"/>
       <p:regular r:id="rId22"/>
       <p:bold r:id="rId23"/>
       <p:italic r:id="rId24"/>
       <p:boldItalic r:id="rId25"/>
     </p:embeddedFont>
     <p:embeddedFont>
-      <p:font typeface="Montserrat" panose="00000500000000000000" pitchFamily="2" charset="0"/>
+      <p:font typeface="Open Sans" panose="020B0606030504020204" pitchFamily="34" charset="0"/>
       <p:regular r:id="rId26"/>
       <p:bold r:id="rId27"/>
       <p:italic r:id="rId28"/>
       <p:boldItalic r:id="rId29"/>
     </p:embeddedFont>
     <p:embeddedFont>
-      <p:font typeface="Open Sans" panose="020B0606030504020204" pitchFamily="34" charset="0"/>
+      <p:font typeface="Poppins" panose="00000500000000000000" pitchFamily="2" charset="0"/>
       <p:regular r:id="rId30"/>
       <p:bold r:id="rId31"/>
       <p:italic r:id="rId32"/>
       <p:boldItalic r:id="rId33"/>
-    </p:embeddedFont>
-    <p:embeddedFont>
-      <p:font typeface="Poppins" panose="00000500000000000000" pitchFamily="2" charset="0"/>
-      <p:regular r:id="rId34"/>
-      <p:bold r:id="rId35"/>
-      <p:italic r:id="rId36"/>
-      <p:boldItalic r:id="rId37"/>
     </p:embeddedFont>
   </p:embeddedFontLst>
   <p:defaultTextStyle>
@@ -858,7 +854,7 @@
   <p:cSld>
     <p:spTree>
       <p:nvGrpSpPr>
-        <p:cNvPr id="1" name="Shape 151"/>
+        <p:cNvPr id="1" name="Shape 76"/>
         <p:cNvGrpSpPr/>
         <p:nvPr/>
       </p:nvGrpSpPr>
@@ -872,7 +868,7 @@
       </p:grpSpPr>
       <p:sp>
         <p:nvSpPr>
-          <p:cNvPr id="152" name="Google Shape;152;g1327fccff3e_0_107:notes"/>
+          <p:cNvPr id="77" name="Google Shape;77;g1327fccff3e_0_15:notes"/>
           <p:cNvSpPr>
             <a:spLocks noGrp="1" noRot="1" noChangeAspect="1"/>
           </p:cNvSpPr>
@@ -913,7 +909,7 @@
       </p:sp>
       <p:sp>
         <p:nvSpPr>
-          <p:cNvPr id="153" name="Google Shape;153;g1327fccff3e_0_107:notes"/>
+          <p:cNvPr id="78" name="Google Shape;78;g1327fccff3e_0_15:notes"/>
           <p:cNvSpPr txBox="1">
             <a:spLocks noGrp="1"/>
           </p:cNvSpPr>
@@ -952,7 +948,7 @@
     </p:spTree>
     <p:extLst>
       <p:ext uri="{BB962C8B-B14F-4D97-AF65-F5344CB8AC3E}">
-        <p14:creationId xmlns:p14="http://schemas.microsoft.com/office/powerpoint/2010/main" val="4028305772"/>
+        <p14:creationId xmlns:p14="http://schemas.microsoft.com/office/powerpoint/2010/main" val="750197580"/>
       </p:ext>
     </p:extLst>
   </p:cSld>
@@ -967,7 +963,7 @@
   <p:cSld>
     <p:spTree>
       <p:nvGrpSpPr>
-        <p:cNvPr id="1" name="Shape 84"/>
+        <p:cNvPr id="1" name="Shape 76"/>
         <p:cNvGrpSpPr/>
         <p:nvPr/>
       </p:nvGrpSpPr>
@@ -981,7 +977,7 @@
       </p:grpSpPr>
       <p:sp>
         <p:nvSpPr>
-          <p:cNvPr id="85" name="Google Shape;85;g1327fccff3e_1_14632:notes"/>
+          <p:cNvPr id="77" name="Google Shape;77;g1327fccff3e_0_15:notes"/>
           <p:cNvSpPr>
             <a:spLocks noGrp="1" noRot="1" noChangeAspect="1"/>
           </p:cNvSpPr>
@@ -1022,7 +1018,7 @@
       </p:sp>
       <p:sp>
         <p:nvSpPr>
-          <p:cNvPr id="86" name="Google Shape;86;g1327fccff3e_1_14632:notes"/>
+          <p:cNvPr id="78" name="Google Shape;78;g1327fccff3e_0_15:notes"/>
           <p:cNvSpPr txBox="1">
             <a:spLocks noGrp="1"/>
           </p:cNvSpPr>
@@ -1059,6 +1055,11 @@
         </p:txBody>
       </p:sp>
     </p:spTree>
+    <p:extLst>
+      <p:ext uri="{BB962C8B-B14F-4D97-AF65-F5344CB8AC3E}">
+        <p14:creationId xmlns:p14="http://schemas.microsoft.com/office/powerpoint/2010/main" val="1126099954"/>
+      </p:ext>
+    </p:extLst>
   </p:cSld>
   <p:clrMapOvr>
     <a:masterClrMapping/>
@@ -1071,7 +1072,7 @@
   <p:cSld>
     <p:spTree>
       <p:nvGrpSpPr>
-        <p:cNvPr id="1" name="Shape 92"/>
+        <p:cNvPr id="1" name="Shape 76"/>
         <p:cNvGrpSpPr/>
         <p:nvPr/>
       </p:nvGrpSpPr>
@@ -1085,7 +1086,7 @@
       </p:grpSpPr>
       <p:sp>
         <p:nvSpPr>
-          <p:cNvPr id="93" name="Google Shape;93;g1327fccff3e_0_20:notes"/>
+          <p:cNvPr id="77" name="Google Shape;77;g1327fccff3e_0_15:notes"/>
           <p:cNvSpPr>
             <a:spLocks noGrp="1" noRot="1" noChangeAspect="1"/>
           </p:cNvSpPr>
@@ -1126,7 +1127,7 @@
       </p:sp>
       <p:sp>
         <p:nvSpPr>
-          <p:cNvPr id="94" name="Google Shape;94;g1327fccff3e_0_20:notes"/>
+          <p:cNvPr id="78" name="Google Shape;78;g1327fccff3e_0_15:notes"/>
           <p:cNvSpPr txBox="1">
             <a:spLocks noGrp="1"/>
           </p:cNvSpPr>
@@ -1163,6 +1164,11 @@
         </p:txBody>
       </p:sp>
     </p:spTree>
+    <p:extLst>
+      <p:ext uri="{BB962C8B-B14F-4D97-AF65-F5344CB8AC3E}">
+        <p14:creationId xmlns:p14="http://schemas.microsoft.com/office/powerpoint/2010/main" val="642416406"/>
+      </p:ext>
+    </p:extLst>
   </p:cSld>
   <p:clrMapOvr>
     <a:masterClrMapping/>
@@ -1175,7 +1181,7 @@
   <p:cSld>
     <p:spTree>
       <p:nvGrpSpPr>
-        <p:cNvPr id="1" name="Shape 100"/>
+        <p:cNvPr id="1" name="Shape 76"/>
         <p:cNvGrpSpPr/>
         <p:nvPr/>
       </p:nvGrpSpPr>
@@ -1189,7 +1195,7 @@
       </p:grpSpPr>
       <p:sp>
         <p:nvSpPr>
-          <p:cNvPr id="101" name="Google Shape;101;g1327fccff3e_0_25:notes"/>
+          <p:cNvPr id="77" name="Google Shape;77;g1327fccff3e_0_15:notes"/>
           <p:cNvSpPr>
             <a:spLocks noGrp="1" noRot="1" noChangeAspect="1"/>
           </p:cNvSpPr>
@@ -1230,7 +1236,7 @@
       </p:sp>
       <p:sp>
         <p:nvSpPr>
-          <p:cNvPr id="102" name="Google Shape;102;g1327fccff3e_0_25:notes"/>
+          <p:cNvPr id="78" name="Google Shape;78;g1327fccff3e_0_15:notes"/>
           <p:cNvSpPr txBox="1">
             <a:spLocks noGrp="1"/>
           </p:cNvSpPr>
@@ -1267,6 +1273,11 @@
         </p:txBody>
       </p:sp>
     </p:spTree>
+    <p:extLst>
+      <p:ext uri="{BB962C8B-B14F-4D97-AF65-F5344CB8AC3E}">
+        <p14:creationId xmlns:p14="http://schemas.microsoft.com/office/powerpoint/2010/main" val="3075512534"/>
+      </p:ext>
+    </p:extLst>
   </p:cSld>
   <p:clrMapOvr>
     <a:masterClrMapping/>
@@ -1279,7 +1290,7 @@
   <p:cSld>
     <p:spTree>
       <p:nvGrpSpPr>
-        <p:cNvPr id="1" name="Shape 107"/>
+        <p:cNvPr id="1" name="Shape 76"/>
         <p:cNvGrpSpPr/>
         <p:nvPr/>
       </p:nvGrpSpPr>
@@ -1293,7 +1304,7 @@
       </p:grpSpPr>
       <p:sp>
         <p:nvSpPr>
-          <p:cNvPr id="108" name="Google Shape;108;g1327fccff3e_0_56:notes"/>
+          <p:cNvPr id="77" name="Google Shape;77;g1327fccff3e_0_15:notes"/>
           <p:cNvSpPr>
             <a:spLocks noGrp="1" noRot="1" noChangeAspect="1"/>
           </p:cNvSpPr>
@@ -1334,7 +1345,7 @@
       </p:sp>
       <p:sp>
         <p:nvSpPr>
-          <p:cNvPr id="109" name="Google Shape;109;g1327fccff3e_0_56:notes"/>
+          <p:cNvPr id="78" name="Google Shape;78;g1327fccff3e_0_15:notes"/>
           <p:cNvSpPr txBox="1">
             <a:spLocks noGrp="1"/>
           </p:cNvSpPr>
@@ -1371,6 +1382,11 @@
         </p:txBody>
       </p:sp>
     </p:spTree>
+    <p:extLst>
+      <p:ext uri="{BB962C8B-B14F-4D97-AF65-F5344CB8AC3E}">
+        <p14:creationId xmlns:p14="http://schemas.microsoft.com/office/powerpoint/2010/main" val="1585860735"/>
+      </p:ext>
+    </p:extLst>
   </p:cSld>
   <p:clrMapOvr>
     <a:masterClrMapping/>
@@ -1379,422 +1395,6 @@
 </file>
 
 <file path=ppt/notesSlides/notesSlide15.xml><?xml version="1.0" encoding="utf-8"?>
-<p:notes xmlns:a="http://schemas.openxmlformats.org/drawingml/2006/main" xmlns:r="http://schemas.openxmlformats.org/officeDocument/2006/relationships" xmlns:p="http://schemas.openxmlformats.org/presentationml/2006/main" showMasterSp="0" showMasterPhAnim="0">
-  <p:cSld>
-    <p:spTree>
-      <p:nvGrpSpPr>
-        <p:cNvPr id="1" name="Shape 113"/>
-        <p:cNvGrpSpPr/>
-        <p:nvPr/>
-      </p:nvGrpSpPr>
-      <p:grpSpPr>
-        <a:xfrm>
-          <a:off x="0" y="0"/>
-          <a:ext cx="0" cy="0"/>
-          <a:chOff x="0" y="0"/>
-          <a:chExt cx="0" cy="0"/>
-        </a:xfrm>
-      </p:grpSpPr>
-      <p:sp>
-        <p:nvSpPr>
-          <p:cNvPr id="114" name="Google Shape;114;g1327fccff3e_1_14752:notes"/>
-          <p:cNvSpPr>
-            <a:spLocks noGrp="1" noRot="1" noChangeAspect="1"/>
-          </p:cNvSpPr>
-          <p:nvPr>
-            <p:ph type="sldImg" idx="2"/>
-          </p:nvPr>
-        </p:nvSpPr>
-        <p:spPr>
-          <a:xfrm>
-            <a:off x="381000" y="685800"/>
-            <a:ext cx="6096000" cy="3429000"/>
-          </a:xfrm>
-          <a:custGeom>
-            <a:avLst/>
-            <a:gdLst/>
-            <a:ahLst/>
-            <a:cxnLst/>
-            <a:rect l="l" t="t" r="r" b="b"/>
-            <a:pathLst>
-              <a:path w="120000" h="120000" extrusionOk="0">
-                <a:moveTo>
-                  <a:pt x="0" y="0"/>
-                </a:moveTo>
-                <a:lnTo>
-                  <a:pt x="120000" y="0"/>
-                </a:lnTo>
-                <a:lnTo>
-                  <a:pt x="120000" y="120000"/>
-                </a:lnTo>
-                <a:lnTo>
-                  <a:pt x="0" y="120000"/>
-                </a:lnTo>
-                <a:close/>
-              </a:path>
-            </a:pathLst>
-          </a:custGeom>
-        </p:spPr>
-      </p:sp>
-      <p:sp>
-        <p:nvSpPr>
-          <p:cNvPr id="115" name="Google Shape;115;g1327fccff3e_1_14752:notes"/>
-          <p:cNvSpPr txBox="1">
-            <a:spLocks noGrp="1"/>
-          </p:cNvSpPr>
-          <p:nvPr>
-            <p:ph type="body" idx="1"/>
-          </p:nvPr>
-        </p:nvSpPr>
-        <p:spPr>
-          <a:xfrm>
-            <a:off x="685800" y="4343400"/>
-            <a:ext cx="5486400" cy="4114800"/>
-          </a:xfrm>
-          <a:prstGeom prst="rect">
-            <a:avLst/>
-          </a:prstGeom>
-        </p:spPr>
-        <p:txBody>
-          <a:bodyPr spcFirstLastPara="1" wrap="square" lIns="91425" tIns="91425" rIns="91425" bIns="91425" anchor="t" anchorCtr="0">
-            <a:noAutofit/>
-          </a:bodyPr>
-          <a:lstStyle/>
-          <a:p>
-            <a:pPr marL="0" lvl="0" indent="0" algn="l" rtl="0">
-              <a:spcBef>
-                <a:spcPts val="0"/>
-              </a:spcBef>
-              <a:spcAft>
-                <a:spcPts val="0"/>
-              </a:spcAft>
-              <a:buNone/>
-            </a:pPr>
-            <a:endParaRPr/>
-          </a:p>
-        </p:txBody>
-      </p:sp>
-    </p:spTree>
-  </p:cSld>
-  <p:clrMapOvr>
-    <a:masterClrMapping/>
-  </p:clrMapOvr>
-</p:notes>
-</file>
-
-<file path=ppt/notesSlides/notesSlide16.xml><?xml version="1.0" encoding="utf-8"?>
-<p:notes xmlns:a="http://schemas.openxmlformats.org/drawingml/2006/main" xmlns:r="http://schemas.openxmlformats.org/officeDocument/2006/relationships" xmlns:p="http://schemas.openxmlformats.org/presentationml/2006/main" showMasterSp="0" showMasterPhAnim="0">
-  <p:cSld>
-    <p:spTree>
-      <p:nvGrpSpPr>
-        <p:cNvPr id="1" name="Shape 119"/>
-        <p:cNvGrpSpPr/>
-        <p:nvPr/>
-      </p:nvGrpSpPr>
-      <p:grpSpPr>
-        <a:xfrm>
-          <a:off x="0" y="0"/>
-          <a:ext cx="0" cy="0"/>
-          <a:chOff x="0" y="0"/>
-          <a:chExt cx="0" cy="0"/>
-        </a:xfrm>
-      </p:grpSpPr>
-      <p:sp>
-        <p:nvSpPr>
-          <p:cNvPr id="120" name="Google Shape;120;g1327fccff3e_0_76:notes"/>
-          <p:cNvSpPr>
-            <a:spLocks noGrp="1" noRot="1" noChangeAspect="1"/>
-          </p:cNvSpPr>
-          <p:nvPr>
-            <p:ph type="sldImg" idx="2"/>
-          </p:nvPr>
-        </p:nvSpPr>
-        <p:spPr>
-          <a:xfrm>
-            <a:off x="381000" y="685800"/>
-            <a:ext cx="6096000" cy="3429000"/>
-          </a:xfrm>
-          <a:custGeom>
-            <a:avLst/>
-            <a:gdLst/>
-            <a:ahLst/>
-            <a:cxnLst/>
-            <a:rect l="l" t="t" r="r" b="b"/>
-            <a:pathLst>
-              <a:path w="120000" h="120000" extrusionOk="0">
-                <a:moveTo>
-                  <a:pt x="0" y="0"/>
-                </a:moveTo>
-                <a:lnTo>
-                  <a:pt x="120000" y="0"/>
-                </a:lnTo>
-                <a:lnTo>
-                  <a:pt x="120000" y="120000"/>
-                </a:lnTo>
-                <a:lnTo>
-                  <a:pt x="0" y="120000"/>
-                </a:lnTo>
-                <a:close/>
-              </a:path>
-            </a:pathLst>
-          </a:custGeom>
-        </p:spPr>
-      </p:sp>
-      <p:sp>
-        <p:nvSpPr>
-          <p:cNvPr id="121" name="Google Shape;121;g1327fccff3e_0_76:notes"/>
-          <p:cNvSpPr txBox="1">
-            <a:spLocks noGrp="1"/>
-          </p:cNvSpPr>
-          <p:nvPr>
-            <p:ph type="body" idx="1"/>
-          </p:nvPr>
-        </p:nvSpPr>
-        <p:spPr>
-          <a:xfrm>
-            <a:off x="685800" y="4343400"/>
-            <a:ext cx="5486400" cy="4114800"/>
-          </a:xfrm>
-          <a:prstGeom prst="rect">
-            <a:avLst/>
-          </a:prstGeom>
-        </p:spPr>
-        <p:txBody>
-          <a:bodyPr spcFirstLastPara="1" wrap="square" lIns="91425" tIns="91425" rIns="91425" bIns="91425" anchor="t" anchorCtr="0">
-            <a:noAutofit/>
-          </a:bodyPr>
-          <a:lstStyle/>
-          <a:p>
-            <a:pPr marL="0" lvl="0" indent="0" algn="l" rtl="0">
-              <a:spcBef>
-                <a:spcPts val="0"/>
-              </a:spcBef>
-              <a:spcAft>
-                <a:spcPts val="0"/>
-              </a:spcAft>
-              <a:buNone/>
-            </a:pPr>
-            <a:endParaRPr/>
-          </a:p>
-        </p:txBody>
-      </p:sp>
-    </p:spTree>
-  </p:cSld>
-  <p:clrMapOvr>
-    <a:masterClrMapping/>
-  </p:clrMapOvr>
-</p:notes>
-</file>
-
-<file path=ppt/notesSlides/notesSlide17.xml><?xml version="1.0" encoding="utf-8"?>
-<p:notes xmlns:a="http://schemas.openxmlformats.org/drawingml/2006/main" xmlns:r="http://schemas.openxmlformats.org/officeDocument/2006/relationships" xmlns:p="http://schemas.openxmlformats.org/presentationml/2006/main" showMasterSp="0" showMasterPhAnim="0">
-  <p:cSld>
-    <p:spTree>
-      <p:nvGrpSpPr>
-        <p:cNvPr id="1" name="Shape 138"/>
-        <p:cNvGrpSpPr/>
-        <p:nvPr/>
-      </p:nvGrpSpPr>
-      <p:grpSpPr>
-        <a:xfrm>
-          <a:off x="0" y="0"/>
-          <a:ext cx="0" cy="0"/>
-          <a:chOff x="0" y="0"/>
-          <a:chExt cx="0" cy="0"/>
-        </a:xfrm>
-      </p:grpSpPr>
-      <p:sp>
-        <p:nvSpPr>
-          <p:cNvPr id="139" name="Google Shape;139;g1327fccff3e_1_0:notes"/>
-          <p:cNvSpPr>
-            <a:spLocks noGrp="1" noRot="1" noChangeAspect="1"/>
-          </p:cNvSpPr>
-          <p:nvPr>
-            <p:ph type="sldImg" idx="2"/>
-          </p:nvPr>
-        </p:nvSpPr>
-        <p:spPr>
-          <a:xfrm>
-            <a:off x="381000" y="685800"/>
-            <a:ext cx="6096000" cy="3429000"/>
-          </a:xfrm>
-          <a:custGeom>
-            <a:avLst/>
-            <a:gdLst/>
-            <a:ahLst/>
-            <a:cxnLst/>
-            <a:rect l="l" t="t" r="r" b="b"/>
-            <a:pathLst>
-              <a:path w="120000" h="120000" extrusionOk="0">
-                <a:moveTo>
-                  <a:pt x="0" y="0"/>
-                </a:moveTo>
-                <a:lnTo>
-                  <a:pt x="120000" y="0"/>
-                </a:lnTo>
-                <a:lnTo>
-                  <a:pt x="120000" y="120000"/>
-                </a:lnTo>
-                <a:lnTo>
-                  <a:pt x="0" y="120000"/>
-                </a:lnTo>
-                <a:close/>
-              </a:path>
-            </a:pathLst>
-          </a:custGeom>
-        </p:spPr>
-      </p:sp>
-      <p:sp>
-        <p:nvSpPr>
-          <p:cNvPr id="140" name="Google Shape;140;g1327fccff3e_1_0:notes"/>
-          <p:cNvSpPr txBox="1">
-            <a:spLocks noGrp="1"/>
-          </p:cNvSpPr>
-          <p:nvPr>
-            <p:ph type="body" idx="1"/>
-          </p:nvPr>
-        </p:nvSpPr>
-        <p:spPr>
-          <a:xfrm>
-            <a:off x="685800" y="4343400"/>
-            <a:ext cx="5486400" cy="4114800"/>
-          </a:xfrm>
-          <a:prstGeom prst="rect">
-            <a:avLst/>
-          </a:prstGeom>
-        </p:spPr>
-        <p:txBody>
-          <a:bodyPr spcFirstLastPara="1" wrap="square" lIns="91425" tIns="91425" rIns="91425" bIns="91425" anchor="t" anchorCtr="0">
-            <a:noAutofit/>
-          </a:bodyPr>
-          <a:lstStyle/>
-          <a:p>
-            <a:pPr marL="0" lvl="0" indent="0" algn="l" rtl="0">
-              <a:spcBef>
-                <a:spcPts val="0"/>
-              </a:spcBef>
-              <a:spcAft>
-                <a:spcPts val="0"/>
-              </a:spcAft>
-              <a:buNone/>
-            </a:pPr>
-            <a:endParaRPr/>
-          </a:p>
-        </p:txBody>
-      </p:sp>
-    </p:spTree>
-  </p:cSld>
-  <p:clrMapOvr>
-    <a:masterClrMapping/>
-  </p:clrMapOvr>
-</p:notes>
-</file>
-
-<file path=ppt/notesSlides/notesSlide18.xml><?xml version="1.0" encoding="utf-8"?>
-<p:notes xmlns:a="http://schemas.openxmlformats.org/drawingml/2006/main" xmlns:r="http://schemas.openxmlformats.org/officeDocument/2006/relationships" xmlns:p="http://schemas.openxmlformats.org/presentationml/2006/main" showMasterSp="0" showMasterPhAnim="0">
-  <p:cSld>
-    <p:spTree>
-      <p:nvGrpSpPr>
-        <p:cNvPr id="1" name="Shape 145"/>
-        <p:cNvGrpSpPr/>
-        <p:nvPr/>
-      </p:nvGrpSpPr>
-      <p:grpSpPr>
-        <a:xfrm>
-          <a:off x="0" y="0"/>
-          <a:ext cx="0" cy="0"/>
-          <a:chOff x="0" y="0"/>
-          <a:chExt cx="0" cy="0"/>
-        </a:xfrm>
-      </p:grpSpPr>
-      <p:sp>
-        <p:nvSpPr>
-          <p:cNvPr id="146" name="Google Shape;146;g1327fccff3e_0_35:notes"/>
-          <p:cNvSpPr>
-            <a:spLocks noGrp="1" noRot="1" noChangeAspect="1"/>
-          </p:cNvSpPr>
-          <p:nvPr>
-            <p:ph type="sldImg" idx="2"/>
-          </p:nvPr>
-        </p:nvSpPr>
-        <p:spPr>
-          <a:xfrm>
-            <a:off x="381000" y="685800"/>
-            <a:ext cx="6096000" cy="3429000"/>
-          </a:xfrm>
-          <a:custGeom>
-            <a:avLst/>
-            <a:gdLst/>
-            <a:ahLst/>
-            <a:cxnLst/>
-            <a:rect l="l" t="t" r="r" b="b"/>
-            <a:pathLst>
-              <a:path w="120000" h="120000" extrusionOk="0">
-                <a:moveTo>
-                  <a:pt x="0" y="0"/>
-                </a:moveTo>
-                <a:lnTo>
-                  <a:pt x="120000" y="0"/>
-                </a:lnTo>
-                <a:lnTo>
-                  <a:pt x="120000" y="120000"/>
-                </a:lnTo>
-                <a:lnTo>
-                  <a:pt x="0" y="120000"/>
-                </a:lnTo>
-                <a:close/>
-              </a:path>
-            </a:pathLst>
-          </a:custGeom>
-        </p:spPr>
-      </p:sp>
-      <p:sp>
-        <p:nvSpPr>
-          <p:cNvPr id="147" name="Google Shape;147;g1327fccff3e_0_35:notes"/>
-          <p:cNvSpPr txBox="1">
-            <a:spLocks noGrp="1"/>
-          </p:cNvSpPr>
-          <p:nvPr>
-            <p:ph type="body" idx="1"/>
-          </p:nvPr>
-        </p:nvSpPr>
-        <p:spPr>
-          <a:xfrm>
-            <a:off x="685800" y="4343400"/>
-            <a:ext cx="5486400" cy="4114800"/>
-          </a:xfrm>
-          <a:prstGeom prst="rect">
-            <a:avLst/>
-          </a:prstGeom>
-        </p:spPr>
-        <p:txBody>
-          <a:bodyPr spcFirstLastPara="1" wrap="square" lIns="91425" tIns="91425" rIns="91425" bIns="91425" anchor="t" anchorCtr="0">
-            <a:noAutofit/>
-          </a:bodyPr>
-          <a:lstStyle/>
-          <a:p>
-            <a:pPr marL="0" lvl="0" indent="0" algn="l" rtl="0">
-              <a:spcBef>
-                <a:spcPts val="0"/>
-              </a:spcBef>
-              <a:spcAft>
-                <a:spcPts val="0"/>
-              </a:spcAft>
-              <a:buNone/>
-            </a:pPr>
-            <a:endParaRPr/>
-          </a:p>
-        </p:txBody>
-      </p:sp>
-    </p:spTree>
-  </p:cSld>
-  <p:clrMapOvr>
-    <a:masterClrMapping/>
-  </p:clrMapOvr>
-</p:notes>
-</file>
-
-<file path=ppt/notesSlides/notesSlide19.xml><?xml version="1.0" encoding="utf-8"?>
 <p:notes xmlns:a="http://schemas.openxmlformats.org/drawingml/2006/main" xmlns:r="http://schemas.openxmlformats.org/officeDocument/2006/relationships" xmlns:p="http://schemas.openxmlformats.org/presentationml/2006/main" showMasterSp="0" showMasterPhAnim="0">
   <p:cSld>
     <p:spTree>
@@ -1891,6 +1491,11 @@
         </p:txBody>
       </p:sp>
     </p:spTree>
+    <p:extLst>
+      <p:ext uri="{BB962C8B-B14F-4D97-AF65-F5344CB8AC3E}">
+        <p14:creationId xmlns:p14="http://schemas.microsoft.com/office/powerpoint/2010/main" val="4028305772"/>
+      </p:ext>
+    </p:extLst>
   </p:cSld>
   <p:clrMapOvr>
     <a:masterClrMapping/>
@@ -2205,7 +1810,7 @@
     </p:spTree>
     <p:extLst>
       <p:ext uri="{BB962C8B-B14F-4D97-AF65-F5344CB8AC3E}">
-        <p14:creationId xmlns:p14="http://schemas.microsoft.com/office/powerpoint/2010/main" val="1274899980"/>
+        <p14:creationId xmlns:p14="http://schemas.microsoft.com/office/powerpoint/2010/main" val="1716426096"/>
       </p:ext>
     </p:extLst>
   </p:cSld>
@@ -2423,7 +2028,7 @@
     </p:spTree>
     <p:extLst>
       <p:ext uri="{BB962C8B-B14F-4D97-AF65-F5344CB8AC3E}">
-        <p14:creationId xmlns:p14="http://schemas.microsoft.com/office/powerpoint/2010/main" val="642416406"/>
+        <p14:creationId xmlns:p14="http://schemas.microsoft.com/office/powerpoint/2010/main" val="2433243273"/>
       </p:ext>
     </p:extLst>
   </p:cSld>
@@ -2532,7 +2137,7 @@
     </p:spTree>
     <p:extLst>
       <p:ext uri="{BB962C8B-B14F-4D97-AF65-F5344CB8AC3E}">
-        <p14:creationId xmlns:p14="http://schemas.microsoft.com/office/powerpoint/2010/main" val="3075512534"/>
+        <p14:creationId xmlns:p14="http://schemas.microsoft.com/office/powerpoint/2010/main" val="917823519"/>
       </p:ext>
     </p:extLst>
   </p:cSld>
@@ -2641,7 +2246,7 @@
     </p:spTree>
     <p:extLst>
       <p:ext uri="{BB962C8B-B14F-4D97-AF65-F5344CB8AC3E}">
-        <p14:creationId xmlns:p14="http://schemas.microsoft.com/office/powerpoint/2010/main" val="1585860735"/>
+        <p14:creationId xmlns:p14="http://schemas.microsoft.com/office/powerpoint/2010/main" val="1274899980"/>
       </p:ext>
     </p:extLst>
   </p:cSld>
@@ -2750,7 +2355,7 @@
     </p:spTree>
     <p:extLst>
       <p:ext uri="{BB962C8B-B14F-4D97-AF65-F5344CB8AC3E}">
-        <p14:creationId xmlns:p14="http://schemas.microsoft.com/office/powerpoint/2010/main" val="997504626"/>
+        <p14:creationId xmlns:p14="http://schemas.microsoft.com/office/powerpoint/2010/main" val="3560247712"/>
       </p:ext>
     </p:extLst>
   </p:cSld>
@@ -8421,7 +8026,7 @@
   <p:cSld>
     <p:spTree>
       <p:nvGrpSpPr>
-        <p:cNvPr id="1" name="Shape 154"/>
+        <p:cNvPr id="1" name="Shape 79"/>
         <p:cNvGrpSpPr/>
         <p:nvPr/>
       </p:nvGrpSpPr>
@@ -8435,7 +8040,7 @@
       </p:grpSpPr>
       <p:sp>
         <p:nvSpPr>
-          <p:cNvPr id="155" name="Google Shape;155;p24"/>
+          <p:cNvPr id="80" name="Google Shape;80;p15"/>
           <p:cNvSpPr txBox="1">
             <a:spLocks noGrp="1"/>
           </p:cNvSpPr>
@@ -8445,7 +8050,7 @@
         </p:nvSpPr>
         <p:spPr>
           <a:xfrm>
-            <a:off x="311700" y="315925"/>
+            <a:off x="180700" y="76320"/>
             <a:ext cx="8520600" cy="831300"/>
           </a:xfrm>
           <a:prstGeom prst="rect">
@@ -8458,13 +8063,22 @@
           </a:bodyPr>
           <a:lstStyle/>
           <a:p>
+            <a:pPr marL="0" lvl="0" indent="0" algn="l" rtl="0">
+              <a:spcBef>
+                <a:spcPts val="0"/>
+              </a:spcBef>
+              <a:spcAft>
+                <a:spcPts val="0"/>
+              </a:spcAft>
+              <a:buNone/>
+            </a:pPr>
             <a:r>
               <a:rPr lang="en" sz="2400" dirty="0">
                 <a:latin typeface="Poppins"/>
                 <a:cs typeface="Poppins"/>
                 <a:sym typeface="Poppins"/>
               </a:rPr>
-              <a:t>Food for thought. . </a:t>
+              <a:t>SHAP Values - Example </a:t>
             </a:r>
             <a:endParaRPr sz="2400" dirty="0">
               <a:latin typeface="Poppins"/>
@@ -8474,98 +8088,236 @@
           </a:p>
         </p:txBody>
       </p:sp>
+      <p:pic>
+        <p:nvPicPr>
+          <p:cNvPr id="2" name="Picture 1" descr="A picture containing text, monitor, screen, indoor&#10;&#10;Description automatically generated">
+            <a:extLst>
+              <a:ext uri="{FF2B5EF4-FFF2-40B4-BE49-F238E27FC236}">
+                <a16:creationId xmlns:a16="http://schemas.microsoft.com/office/drawing/2014/main" id="{E0733E99-9A58-34B5-3910-2BE5C5C11E96}"/>
+              </a:ext>
+            </a:extLst>
+          </p:cNvPr>
+          <p:cNvPicPr>
+            <a:picLocks noChangeAspect="1"/>
+          </p:cNvPicPr>
+          <p:nvPr/>
+        </p:nvPicPr>
+        <p:blipFill>
+          <a:blip r:embed="rId3"/>
+          <a:stretch>
+            <a:fillRect/>
+          </a:stretch>
+        </p:blipFill>
+        <p:spPr>
+          <a:xfrm>
+            <a:off x="-194422" y="1900670"/>
+            <a:ext cx="9270843" cy="1342159"/>
+          </a:xfrm>
+          <a:prstGeom prst="rect">
+            <a:avLst/>
+          </a:prstGeom>
+        </p:spPr>
+      </p:pic>
       <p:sp>
         <p:nvSpPr>
-          <p:cNvPr id="156" name="Google Shape;156;p24"/>
-          <p:cNvSpPr txBox="1">
-            <a:spLocks noGrp="1"/>
-          </p:cNvSpPr>
-          <p:nvPr>
-            <p:ph type="body" idx="1"/>
-          </p:nvPr>
+          <p:cNvPr id="15" name="TextBox 14">
+            <a:extLst>
+              <a:ext uri="{FF2B5EF4-FFF2-40B4-BE49-F238E27FC236}">
+                <a16:creationId xmlns:a16="http://schemas.microsoft.com/office/drawing/2014/main" id="{FCDF2E51-21B8-4870-6BCF-413DB4085680}"/>
+              </a:ext>
+            </a:extLst>
+          </p:cNvPr>
+          <p:cNvSpPr txBox="1"/>
+          <p:nvPr/>
         </p:nvSpPr>
         <p:spPr>
           <a:xfrm>
-            <a:off x="311700" y="1225225"/>
-            <a:ext cx="8520600" cy="3354000"/>
+            <a:off x="2067625" y="3962933"/>
+            <a:ext cx="4069305" cy="430887"/>
           </a:xfrm>
           <a:prstGeom prst="rect">
             <a:avLst/>
           </a:prstGeom>
+          <a:noFill/>
         </p:spPr>
         <p:txBody>
-          <a:bodyPr spcFirstLastPara="1" wrap="square" lIns="91425" tIns="91425" rIns="91425" bIns="91425" anchor="t" anchorCtr="0">
-            <a:normAutofit/>
+          <a:bodyPr wrap="square" rtlCol="0">
+            <a:spAutoFit/>
           </a:bodyPr>
           <a:lstStyle/>
           <a:p>
-            <a:pPr marL="0" lvl="0" indent="0" algn="l" rtl="0">
-              <a:spcBef>
-                <a:spcPts val="0"/>
-              </a:spcBef>
-              <a:spcAft>
-                <a:spcPts val="0"/>
-              </a:spcAft>
-              <a:buClr>
-                <a:schemeClr val="dk1"/>
-              </a:buClr>
-              <a:buSzPts val="1100"/>
-              <a:buFont typeface="Arial"/>
-              <a:buNone/>
-            </a:pPr>
             <a:r>
-              <a:rPr lang="en" b="1" dirty="0">
-                <a:latin typeface="Montserrat"/>
-                <a:ea typeface="Montserrat"/>
-                <a:cs typeface="Montserrat"/>
-                <a:sym typeface="Montserrat"/>
-              </a:rPr>
-              <a:t>“Deep learning also makes problem-solving much easier, because it completely automates what used to be the most crucial step in a machine learning workflow: feature engineering. “</a:t>
+              <a:rPr lang="en-GB" sz="1100" dirty="0"/>
+              <a:t>Very little change from Amplitude to Semblance suggests the semblance feature is having much impact on the prediction. </a:t>
             </a:r>
-            <a:endParaRPr b="1" dirty="0">
-              <a:latin typeface="Montserrat"/>
-              <a:ea typeface="Montserrat"/>
-              <a:cs typeface="Montserrat"/>
-              <a:sym typeface="Montserrat"/>
-            </a:endParaRPr>
-          </a:p>
-          <a:p>
-            <a:pPr marL="0" lvl="0" indent="0" algn="l" rtl="0">
-              <a:spcBef>
-                <a:spcPts val="1200"/>
-              </a:spcBef>
-              <a:spcAft>
-                <a:spcPts val="1200"/>
-              </a:spcAft>
-              <a:buClr>
-                <a:schemeClr val="dk1"/>
-              </a:buClr>
-              <a:buSzPts val="1100"/>
-              <a:buFont typeface="Arial"/>
-              <a:buNone/>
-            </a:pPr>
-            <a:r>
-              <a:rPr lang="en" sz="1600" i="1" dirty="0">
-                <a:latin typeface="Montserrat"/>
-                <a:ea typeface="Montserrat"/>
-                <a:cs typeface="Montserrat"/>
-                <a:sym typeface="Montserrat"/>
-              </a:rPr>
-              <a:t>Francois Chollet, Deep Learning with Python, 2021</a:t>
-            </a:r>
-            <a:endParaRPr sz="1600" i="1" dirty="0">
-              <a:latin typeface="Montserrat"/>
-              <a:ea typeface="Montserrat"/>
-              <a:cs typeface="Montserrat"/>
-              <a:sym typeface="Montserrat"/>
-            </a:endParaRPr>
           </a:p>
         </p:txBody>
       </p:sp>
+      <p:cxnSp>
+        <p:nvCxnSpPr>
+          <p:cNvPr id="17" name="Straight Arrow Connector 16">
+            <a:extLst>
+              <a:ext uri="{FF2B5EF4-FFF2-40B4-BE49-F238E27FC236}">
+                <a16:creationId xmlns:a16="http://schemas.microsoft.com/office/drawing/2014/main" id="{C56BF2ED-EF22-3CBE-E047-518A83E03030}"/>
+              </a:ext>
+            </a:extLst>
+          </p:cNvPr>
+          <p:cNvCxnSpPr>
+            <a:cxnSpLocks/>
+            <a:stCxn id="15" idx="0"/>
+          </p:cNvCxnSpPr>
+          <p:nvPr/>
+        </p:nvCxnSpPr>
+        <p:spPr>
+          <a:xfrm flipH="1" flipV="1">
+            <a:off x="3505200" y="3165764"/>
+            <a:ext cx="597078" cy="797169"/>
+          </a:xfrm>
+          <a:prstGeom prst="straightConnector1">
+            <a:avLst/>
+          </a:prstGeom>
+          <a:ln>
+            <a:tailEnd type="triangle"/>
+          </a:ln>
+        </p:spPr>
+        <p:style>
+          <a:lnRef idx="1">
+            <a:schemeClr val="accent1"/>
+          </a:lnRef>
+          <a:fillRef idx="0">
+            <a:schemeClr val="accent1"/>
+          </a:fillRef>
+          <a:effectRef idx="0">
+            <a:schemeClr val="accent1"/>
+          </a:effectRef>
+          <a:fontRef idx="minor">
+            <a:schemeClr val="tx1"/>
+          </a:fontRef>
+        </p:style>
+      </p:cxnSp>
+      <p:cxnSp>
+        <p:nvCxnSpPr>
+          <p:cNvPr id="19" name="Straight Arrow Connector 18">
+            <a:extLst>
+              <a:ext uri="{FF2B5EF4-FFF2-40B4-BE49-F238E27FC236}">
+                <a16:creationId xmlns:a16="http://schemas.microsoft.com/office/drawing/2014/main" id="{8C2876EC-9409-A3E1-6F22-3988B7B26376}"/>
+              </a:ext>
+            </a:extLst>
+          </p:cNvPr>
+          <p:cNvCxnSpPr>
+            <a:cxnSpLocks/>
+            <a:stCxn id="15" idx="0"/>
+          </p:cNvCxnSpPr>
+          <p:nvPr/>
+        </p:nvCxnSpPr>
+        <p:spPr>
+          <a:xfrm flipV="1">
+            <a:off x="4102278" y="3165764"/>
+            <a:ext cx="167751" cy="797169"/>
+          </a:xfrm>
+          <a:prstGeom prst="straightConnector1">
+            <a:avLst/>
+          </a:prstGeom>
+          <a:ln>
+            <a:tailEnd type="triangle"/>
+          </a:ln>
+        </p:spPr>
+        <p:style>
+          <a:lnRef idx="1">
+            <a:schemeClr val="accent1"/>
+          </a:lnRef>
+          <a:fillRef idx="0">
+            <a:schemeClr val="accent1"/>
+          </a:fillRef>
+          <a:effectRef idx="0">
+            <a:schemeClr val="accent1"/>
+          </a:effectRef>
+          <a:fontRef idx="minor">
+            <a:schemeClr val="tx1"/>
+          </a:fontRef>
+        </p:style>
+      </p:cxnSp>
+      <p:sp>
+        <p:nvSpPr>
+          <p:cNvPr id="24" name="TextBox 23">
+            <a:extLst>
+              <a:ext uri="{FF2B5EF4-FFF2-40B4-BE49-F238E27FC236}">
+                <a16:creationId xmlns:a16="http://schemas.microsoft.com/office/drawing/2014/main" id="{93D2D999-E60E-F84B-9763-896AC9D968A3}"/>
+              </a:ext>
+            </a:extLst>
+          </p:cNvPr>
+          <p:cNvSpPr txBox="1"/>
+          <p:nvPr/>
+        </p:nvSpPr>
+        <p:spPr>
+          <a:xfrm>
+            <a:off x="2067624" y="1052228"/>
+            <a:ext cx="4069305" cy="430887"/>
+          </a:xfrm>
+          <a:prstGeom prst="rect">
+            <a:avLst/>
+          </a:prstGeom>
+          <a:noFill/>
+        </p:spPr>
+        <p:txBody>
+          <a:bodyPr wrap="square" rtlCol="0">
+            <a:spAutoFit/>
+          </a:bodyPr>
+          <a:lstStyle/>
+          <a:p>
+            <a:r>
+              <a:rPr lang="en-GB" sz="1100" dirty="0"/>
+              <a:t>Sobel feature clearly contributes the most to reduce the background to 0 and increase the salt probability to 1.  </a:t>
+            </a:r>
+          </a:p>
+        </p:txBody>
+      </p:sp>
+      <p:cxnSp>
+        <p:nvCxnSpPr>
+          <p:cNvPr id="25" name="Straight Arrow Connector 24">
+            <a:extLst>
+              <a:ext uri="{FF2B5EF4-FFF2-40B4-BE49-F238E27FC236}">
+                <a16:creationId xmlns:a16="http://schemas.microsoft.com/office/drawing/2014/main" id="{87D06892-B738-4108-20CC-23F8CC32FC9B}"/>
+              </a:ext>
+            </a:extLst>
+          </p:cNvPr>
+          <p:cNvCxnSpPr>
+            <a:cxnSpLocks/>
+            <a:stCxn id="24" idx="2"/>
+          </p:cNvCxnSpPr>
+          <p:nvPr/>
+        </p:nvCxnSpPr>
+        <p:spPr>
+          <a:xfrm>
+            <a:off x="4102277" y="1483115"/>
+            <a:ext cx="1730487" cy="949390"/>
+          </a:xfrm>
+          <a:prstGeom prst="straightConnector1">
+            <a:avLst/>
+          </a:prstGeom>
+          <a:ln>
+            <a:tailEnd type="triangle"/>
+          </a:ln>
+        </p:spPr>
+        <p:style>
+          <a:lnRef idx="1">
+            <a:schemeClr val="accent1"/>
+          </a:lnRef>
+          <a:fillRef idx="0">
+            <a:schemeClr val="accent1"/>
+          </a:fillRef>
+          <a:effectRef idx="0">
+            <a:schemeClr val="accent1"/>
+          </a:effectRef>
+          <a:fontRef idx="minor">
+            <a:schemeClr val="tx1"/>
+          </a:fontRef>
+        </p:style>
+      </p:cxnSp>
     </p:spTree>
     <p:extLst>
       <p:ext uri="{BB962C8B-B14F-4D97-AF65-F5344CB8AC3E}">
-        <p14:creationId xmlns:p14="http://schemas.microsoft.com/office/powerpoint/2010/main" val="850825778"/>
+        <p14:creationId xmlns:p14="http://schemas.microsoft.com/office/powerpoint/2010/main" val="683617621"/>
       </p:ext>
     </p:extLst>
   </p:cSld>
@@ -8576,11 +8328,11 @@
 </file>
 
 <file path=ppt/slides/slide11.xml><?xml version="1.0" encoding="utf-8"?>
-<p:sld xmlns:a="http://schemas.openxmlformats.org/drawingml/2006/main" xmlns:r="http://schemas.openxmlformats.org/officeDocument/2006/relationships" xmlns:p="http://schemas.openxmlformats.org/presentationml/2006/main" show="0">
+<p:sld xmlns:a="http://schemas.openxmlformats.org/drawingml/2006/main" xmlns:r="http://schemas.openxmlformats.org/officeDocument/2006/relationships" xmlns:p="http://schemas.openxmlformats.org/presentationml/2006/main">
   <p:cSld>
     <p:spTree>
       <p:nvGrpSpPr>
-        <p:cNvPr id="1" name="Shape 87"/>
+        <p:cNvPr id="1" name="Shape 79"/>
         <p:cNvGrpSpPr/>
         <p:nvPr/>
       </p:nvGrpSpPr>
@@ -8594,7 +8346,7 @@
       </p:grpSpPr>
       <p:sp>
         <p:nvSpPr>
-          <p:cNvPr id="88" name="Google Shape;88;p16"/>
+          <p:cNvPr id="80" name="Google Shape;80;p15"/>
           <p:cNvSpPr txBox="1">
             <a:spLocks noGrp="1"/>
           </p:cNvSpPr>
@@ -8604,8 +8356,8 @@
         </p:nvSpPr>
         <p:spPr>
           <a:xfrm>
-            <a:off x="311700" y="315925"/>
-            <a:ext cx="8520600" cy="831300"/>
+            <a:off x="180700" y="76320"/>
+            <a:ext cx="5090955" cy="831300"/>
           </a:xfrm>
           <a:prstGeom prst="rect">
             <a:avLst/>
@@ -8613,7 +8365,7 @@
         </p:spPr>
         <p:txBody>
           <a:bodyPr spcFirstLastPara="1" wrap="square" lIns="91425" tIns="91425" rIns="91425" bIns="91425" anchor="b" anchorCtr="0">
-            <a:normAutofit/>
+            <a:normAutofit fontScale="90000"/>
           </a:bodyPr>
           <a:lstStyle/>
           <a:p>
@@ -8627,232 +8379,327 @@
               <a:buNone/>
             </a:pPr>
             <a:r>
-              <a:rPr lang="en">
+              <a:rPr lang="en" sz="2400" dirty="0">
                 <a:latin typeface="Poppins"/>
-                <a:ea typeface="Poppins"/>
                 <a:cs typeface="Poppins"/>
                 <a:sym typeface="Poppins"/>
               </a:rPr>
-              <a:t>Model Summary</a:t>
+              <a:t>SHAP Values – Global Assessment </a:t>
             </a:r>
-            <a:endParaRPr>
+            <a:endParaRPr sz="2400" dirty="0">
               <a:latin typeface="Poppins"/>
-              <a:ea typeface="Poppins"/>
               <a:cs typeface="Poppins"/>
               <a:sym typeface="Poppins"/>
             </a:endParaRPr>
+          </a:p>
+        </p:txBody>
+      </p:sp>
+      <p:pic>
+        <p:nvPicPr>
+          <p:cNvPr id="3" name="Picture 2" descr="Scatter chart&#10;&#10;Description automatically generated with medium confidence">
+            <a:extLst>
+              <a:ext uri="{FF2B5EF4-FFF2-40B4-BE49-F238E27FC236}">
+                <a16:creationId xmlns:a16="http://schemas.microsoft.com/office/drawing/2014/main" id="{EFA2C4BF-0BB5-B256-F486-E304FA7EA5DE}"/>
+              </a:ext>
+            </a:extLst>
+          </p:cNvPr>
+          <p:cNvPicPr>
+            <a:picLocks noChangeAspect="1"/>
+          </p:cNvPicPr>
+          <p:nvPr/>
+        </p:nvPicPr>
+        <p:blipFill rotWithShape="1">
+          <a:blip r:embed="rId3"/>
+          <a:srcRect l="9014" t="8164" r="9155" b="5357"/>
+          <a:stretch/>
+        </p:blipFill>
+        <p:spPr>
+          <a:xfrm>
+            <a:off x="2112818" y="1476145"/>
+            <a:ext cx="6628807" cy="3502657"/>
+          </a:xfrm>
+          <a:prstGeom prst="rect">
+            <a:avLst/>
+          </a:prstGeom>
+        </p:spPr>
+      </p:pic>
+      <p:sp>
+        <p:nvSpPr>
+          <p:cNvPr id="4" name="TextBox 3">
+            <a:extLst>
+              <a:ext uri="{FF2B5EF4-FFF2-40B4-BE49-F238E27FC236}">
+                <a16:creationId xmlns:a16="http://schemas.microsoft.com/office/drawing/2014/main" id="{CF4006D7-E459-6CC5-6178-876B6FE0930F}"/>
+              </a:ext>
+            </a:extLst>
+          </p:cNvPr>
+          <p:cNvSpPr txBox="1"/>
+          <p:nvPr/>
+        </p:nvSpPr>
+        <p:spPr>
+          <a:xfrm>
+            <a:off x="402375" y="1881875"/>
+            <a:ext cx="1772789" cy="553998"/>
+          </a:xfrm>
+          <a:prstGeom prst="rect">
+            <a:avLst/>
+          </a:prstGeom>
+          <a:noFill/>
+        </p:spPr>
+        <p:txBody>
+          <a:bodyPr wrap="square" rtlCol="0">
+            <a:spAutoFit/>
+          </a:bodyPr>
+          <a:lstStyle/>
+          <a:p>
+            <a:r>
+              <a:rPr lang="en-GB" sz="1000" dirty="0"/>
+              <a:t>All features appear to have similar contributions in areas of no salt. </a:t>
+            </a:r>
           </a:p>
         </p:txBody>
       </p:sp>
       <p:sp>
         <p:nvSpPr>
-          <p:cNvPr id="89" name="Google Shape;89;p16"/>
-          <p:cNvSpPr txBox="1">
-            <a:spLocks noGrp="1"/>
-          </p:cNvSpPr>
-          <p:nvPr>
-            <p:ph type="body" idx="1"/>
-          </p:nvPr>
-        </p:nvSpPr>
-        <p:spPr>
-          <a:xfrm>
-            <a:off x="311700" y="1152475"/>
-            <a:ext cx="3920100" cy="3416400"/>
-          </a:xfrm>
-          <a:prstGeom prst="rect">
-            <a:avLst/>
-          </a:prstGeom>
-        </p:spPr>
-        <p:txBody>
-          <a:bodyPr spcFirstLastPara="1" wrap="square" lIns="91425" tIns="91425" rIns="91425" bIns="91425" anchor="t" anchorCtr="0">
-            <a:normAutofit/>
-          </a:bodyPr>
-          <a:lstStyle/>
-          <a:p>
-            <a:pPr marL="0" lvl="0" indent="0" algn="l" rtl="0">
-              <a:spcBef>
-                <a:spcPts val="0"/>
-              </a:spcBef>
-              <a:spcAft>
-                <a:spcPts val="0"/>
-              </a:spcAft>
-              <a:buNone/>
-            </a:pPr>
-            <a:r>
-              <a:rPr lang="en" dirty="0">
-                <a:latin typeface="Montserrat"/>
-                <a:ea typeface="Montserrat"/>
-                <a:cs typeface="Montserrat"/>
-                <a:sym typeface="Montserrat"/>
-              </a:rPr>
-              <a:t>We used a </a:t>
-            </a:r>
-            <a:r>
-              <a:rPr lang="en" b="1" dirty="0">
-                <a:latin typeface="Montserrat"/>
-                <a:ea typeface="Montserrat"/>
-                <a:cs typeface="Montserrat"/>
-                <a:sym typeface="Montserrat"/>
-              </a:rPr>
-              <a:t>U-Net model</a:t>
-            </a:r>
-            <a:r>
-              <a:rPr lang="en" dirty="0">
-                <a:latin typeface="Montserrat"/>
-                <a:ea typeface="Montserrat"/>
-                <a:cs typeface="Montserrat"/>
-                <a:sym typeface="Montserrat"/>
-              </a:rPr>
-              <a:t> trained from scratch using Tensorflow's library.</a:t>
-            </a:r>
-            <a:endParaRPr dirty="0">
-              <a:latin typeface="Montserrat"/>
-              <a:ea typeface="Montserrat"/>
-              <a:cs typeface="Montserrat"/>
-              <a:sym typeface="Montserrat"/>
-            </a:endParaRPr>
-          </a:p>
-          <a:p>
-            <a:pPr marL="0" lvl="0" indent="0" algn="l" rtl="0">
-              <a:spcBef>
-                <a:spcPts val="1200"/>
-              </a:spcBef>
-              <a:spcAft>
-                <a:spcPts val="0"/>
-              </a:spcAft>
-              <a:buNone/>
-            </a:pPr>
-            <a:endParaRPr dirty="0">
-              <a:latin typeface="Montserrat"/>
-              <a:ea typeface="Montserrat"/>
-              <a:cs typeface="Montserrat"/>
-              <a:sym typeface="Montserrat"/>
-            </a:endParaRPr>
-          </a:p>
-          <a:p>
-            <a:pPr marL="0" lvl="0" indent="0" algn="l" rtl="0">
-              <a:spcBef>
-                <a:spcPts val="1200"/>
-              </a:spcBef>
-              <a:spcAft>
-                <a:spcPts val="0"/>
-              </a:spcAft>
-              <a:buNone/>
-            </a:pPr>
-            <a:r>
-              <a:rPr lang="en" dirty="0">
-                <a:latin typeface="Montserrat"/>
-                <a:ea typeface="Montserrat"/>
-                <a:cs typeface="Montserrat"/>
-                <a:sym typeface="Montserrat"/>
-              </a:rPr>
-              <a:t>During training, we used two NVIDIA GPUs from the provided cluster.</a:t>
-            </a:r>
-            <a:endParaRPr dirty="0">
-              <a:latin typeface="Montserrat"/>
-              <a:ea typeface="Montserrat"/>
-              <a:cs typeface="Montserrat"/>
-              <a:sym typeface="Montserrat"/>
-            </a:endParaRPr>
-          </a:p>
-          <a:p>
-            <a:pPr marL="0" lvl="0" indent="0" algn="l" rtl="0">
-              <a:spcBef>
-                <a:spcPts val="1200"/>
-              </a:spcBef>
-              <a:spcAft>
-                <a:spcPts val="0"/>
-              </a:spcAft>
-              <a:buNone/>
-            </a:pPr>
-            <a:endParaRPr dirty="0">
-              <a:latin typeface="Montserrat"/>
-              <a:ea typeface="Montserrat"/>
-              <a:cs typeface="Montserrat"/>
-              <a:sym typeface="Montserrat"/>
-            </a:endParaRPr>
-          </a:p>
-        </p:txBody>
-      </p:sp>
-      <p:pic>
-        <p:nvPicPr>
-          <p:cNvPr id="90" name="Google Shape;90;p16"/>
-          <p:cNvPicPr preferRelativeResize="0"/>
-          <p:nvPr/>
-        </p:nvPicPr>
-        <p:blipFill>
-          <a:blip r:embed="rId3">
-            <a:alphaModFix/>
-          </a:blip>
-          <a:stretch>
-            <a:fillRect/>
-          </a:stretch>
-        </p:blipFill>
-        <p:spPr>
-          <a:xfrm>
-            <a:off x="4384325" y="1152463"/>
-            <a:ext cx="4495800" cy="3000375"/>
-          </a:xfrm>
-          <a:prstGeom prst="rect">
-            <a:avLst/>
-          </a:prstGeom>
-          <a:noFill/>
-          <a:ln>
-            <a:noFill/>
-          </a:ln>
-        </p:spPr>
-      </p:pic>
-      <p:sp>
-        <p:nvSpPr>
-          <p:cNvPr id="91" name="Google Shape;91;p16"/>
+          <p:cNvPr id="6" name="TextBox 5">
+            <a:extLst>
+              <a:ext uri="{FF2B5EF4-FFF2-40B4-BE49-F238E27FC236}">
+                <a16:creationId xmlns:a16="http://schemas.microsoft.com/office/drawing/2014/main" id="{866C09F2-E6F9-F6B5-116C-D7711D798D54}"/>
+              </a:ext>
+            </a:extLst>
+          </p:cNvPr>
           <p:cNvSpPr txBox="1"/>
           <p:nvPr/>
         </p:nvSpPr>
         <p:spPr>
           <a:xfrm>
-            <a:off x="5132225" y="4152850"/>
-            <a:ext cx="3000000" cy="369300"/>
+            <a:off x="2673927" y="907620"/>
+            <a:ext cx="6067698" cy="523220"/>
           </a:xfrm>
           <a:prstGeom prst="rect">
             <a:avLst/>
           </a:prstGeom>
           <a:noFill/>
-          <a:ln>
-            <a:noFill/>
-          </a:ln>
         </p:spPr>
         <p:txBody>
-          <a:bodyPr spcFirstLastPara="1" wrap="square" lIns="91425" tIns="91425" rIns="91425" bIns="91425" anchor="t" anchorCtr="0">
+          <a:bodyPr wrap="square" rtlCol="0">
             <a:spAutoFit/>
           </a:bodyPr>
           <a:lstStyle/>
           <a:p>
-            <a:pPr marL="0" lvl="0" indent="0" algn="l" rtl="0">
-              <a:spcBef>
-                <a:spcPts val="0"/>
-              </a:spcBef>
-              <a:spcAft>
-                <a:spcPts val="0"/>
-              </a:spcAft>
-              <a:buNone/>
-            </a:pPr>
             <a:r>
-              <a:rPr lang="en" sz="1200" b="1">
-                <a:solidFill>
-                  <a:schemeClr val="dk1"/>
-                </a:solidFill>
-                <a:latin typeface="Montserrat"/>
-                <a:ea typeface="Montserrat"/>
-                <a:cs typeface="Montserrat"/>
-                <a:sym typeface="Montserrat"/>
-              </a:rPr>
-              <a:t>Ronnerberger et al. (2015)</a:t>
+              <a:rPr lang="en-GB" dirty="0"/>
+              <a:t>Feature value vs Feature Contribution. Different features are coloured. Plots are split into areas of images based on value of true mask</a:t>
             </a:r>
-            <a:endParaRPr sz="1200"/>
+          </a:p>
+        </p:txBody>
+      </p:sp>
+      <p:cxnSp>
+        <p:nvCxnSpPr>
+          <p:cNvPr id="8" name="Straight Arrow Connector 7">
+            <a:extLst>
+              <a:ext uri="{FF2B5EF4-FFF2-40B4-BE49-F238E27FC236}">
+                <a16:creationId xmlns:a16="http://schemas.microsoft.com/office/drawing/2014/main" id="{07693C5E-0306-991D-F6B5-6F078B8F60B3}"/>
+              </a:ext>
+            </a:extLst>
+          </p:cNvPr>
+          <p:cNvCxnSpPr>
+            <a:cxnSpLocks/>
+            <a:stCxn id="4" idx="3"/>
+          </p:cNvCxnSpPr>
+          <p:nvPr/>
+        </p:nvCxnSpPr>
+        <p:spPr>
+          <a:xfrm>
+            <a:off x="2175164" y="2158874"/>
+            <a:ext cx="1357745" cy="1180071"/>
+          </a:xfrm>
+          <a:prstGeom prst="straightConnector1">
+            <a:avLst/>
+          </a:prstGeom>
+          <a:ln>
+            <a:tailEnd type="triangle"/>
+          </a:ln>
+        </p:spPr>
+        <p:style>
+          <a:lnRef idx="1">
+            <a:schemeClr val="accent1"/>
+          </a:lnRef>
+          <a:fillRef idx="0">
+            <a:schemeClr val="accent1"/>
+          </a:fillRef>
+          <a:effectRef idx="0">
+            <a:schemeClr val="accent1"/>
+          </a:effectRef>
+          <a:fontRef idx="minor">
+            <a:schemeClr val="tx1"/>
+          </a:fontRef>
+        </p:style>
+      </p:cxnSp>
+      <p:sp>
+        <p:nvSpPr>
+          <p:cNvPr id="10" name="TextBox 9">
+            <a:extLst>
+              <a:ext uri="{FF2B5EF4-FFF2-40B4-BE49-F238E27FC236}">
+                <a16:creationId xmlns:a16="http://schemas.microsoft.com/office/drawing/2014/main" id="{36D60B54-FFCF-1D61-2DEE-A250B62BB4A4}"/>
+              </a:ext>
+            </a:extLst>
+          </p:cNvPr>
+          <p:cNvSpPr txBox="1"/>
+          <p:nvPr/>
+        </p:nvSpPr>
+        <p:spPr>
+          <a:xfrm>
+            <a:off x="4655127" y="3717602"/>
+            <a:ext cx="2078182" cy="861774"/>
+          </a:xfrm>
+          <a:prstGeom prst="rect">
+            <a:avLst/>
+          </a:prstGeom>
+          <a:solidFill>
+            <a:schemeClr val="bg1"/>
+          </a:solidFill>
+        </p:spPr>
+        <p:txBody>
+          <a:bodyPr wrap="square" rtlCol="0">
+            <a:spAutoFit/>
+          </a:bodyPr>
+          <a:lstStyle/>
+          <a:p>
+            <a:r>
+              <a:rPr lang="en-GB" sz="1000" dirty="0"/>
+              <a:t>Sobel feature clearly contributes the most to a positive salt prediction. Whereas, semblance is consistently the least contributing feature. </a:t>
+            </a:r>
+          </a:p>
+        </p:txBody>
+      </p:sp>
+      <p:cxnSp>
+        <p:nvCxnSpPr>
+          <p:cNvPr id="12" name="Straight Arrow Connector 11">
+            <a:extLst>
+              <a:ext uri="{FF2B5EF4-FFF2-40B4-BE49-F238E27FC236}">
+                <a16:creationId xmlns:a16="http://schemas.microsoft.com/office/drawing/2014/main" id="{94F33C62-B2A6-CCCA-612E-055BEC8C9F75}"/>
+              </a:ext>
+            </a:extLst>
+          </p:cNvPr>
+          <p:cNvCxnSpPr>
+            <a:cxnSpLocks/>
+            <a:stCxn id="10" idx="0"/>
+          </p:cNvCxnSpPr>
+          <p:nvPr/>
+        </p:nvCxnSpPr>
+        <p:spPr>
+          <a:xfrm flipV="1">
+            <a:off x="5694218" y="1999365"/>
+            <a:ext cx="1336964" cy="1718237"/>
+          </a:xfrm>
+          <a:prstGeom prst="straightConnector1">
+            <a:avLst/>
+          </a:prstGeom>
+          <a:ln>
+            <a:tailEnd type="triangle"/>
+          </a:ln>
+        </p:spPr>
+        <p:style>
+          <a:lnRef idx="1">
+            <a:schemeClr val="accent1"/>
+          </a:lnRef>
+          <a:fillRef idx="0">
+            <a:schemeClr val="accent1"/>
+          </a:fillRef>
+          <a:effectRef idx="0">
+            <a:schemeClr val="accent1"/>
+          </a:effectRef>
+          <a:fontRef idx="minor">
+            <a:schemeClr val="tx1"/>
+          </a:fontRef>
+        </p:style>
+      </p:cxnSp>
+      <p:cxnSp>
+        <p:nvCxnSpPr>
+          <p:cNvPr id="14" name="Straight Arrow Connector 13">
+            <a:extLst>
+              <a:ext uri="{FF2B5EF4-FFF2-40B4-BE49-F238E27FC236}">
+                <a16:creationId xmlns:a16="http://schemas.microsoft.com/office/drawing/2014/main" id="{2CD680E5-74AF-D156-66F3-F1998C5B8E7A}"/>
+              </a:ext>
+            </a:extLst>
+          </p:cNvPr>
+          <p:cNvCxnSpPr>
+            <a:cxnSpLocks/>
+          </p:cNvCxnSpPr>
+          <p:nvPr/>
+        </p:nvCxnSpPr>
+        <p:spPr>
+          <a:xfrm flipV="1">
+            <a:off x="6449291" y="3172691"/>
+            <a:ext cx="581891" cy="544911"/>
+          </a:xfrm>
+          <a:prstGeom prst="straightConnector1">
+            <a:avLst/>
+          </a:prstGeom>
+          <a:ln>
+            <a:tailEnd type="triangle"/>
+          </a:ln>
+        </p:spPr>
+        <p:style>
+          <a:lnRef idx="1">
+            <a:schemeClr val="accent1"/>
+          </a:lnRef>
+          <a:fillRef idx="0">
+            <a:schemeClr val="accent1"/>
+          </a:fillRef>
+          <a:effectRef idx="0">
+            <a:schemeClr val="accent1"/>
+          </a:effectRef>
+          <a:fontRef idx="minor">
+            <a:schemeClr val="tx1"/>
+          </a:fontRef>
+        </p:style>
+      </p:cxnSp>
+      <p:sp>
+        <p:nvSpPr>
+          <p:cNvPr id="17" name="TextBox 16">
+            <a:extLst>
+              <a:ext uri="{FF2B5EF4-FFF2-40B4-BE49-F238E27FC236}">
+                <a16:creationId xmlns:a16="http://schemas.microsoft.com/office/drawing/2014/main" id="{B290A0AE-1435-DF4C-2D08-3EDEA1F75D5C}"/>
+              </a:ext>
+            </a:extLst>
+          </p:cNvPr>
+          <p:cNvSpPr txBox="1"/>
+          <p:nvPr/>
+        </p:nvSpPr>
+        <p:spPr>
+          <a:xfrm>
+            <a:off x="104502" y="3501474"/>
+            <a:ext cx="2008316" cy="1323439"/>
+          </a:xfrm>
+          <a:prstGeom prst="rect">
+            <a:avLst/>
+          </a:prstGeom>
+          <a:noFill/>
+        </p:spPr>
+        <p:txBody>
+          <a:bodyPr wrap="square" rtlCol="0">
+            <a:spAutoFit/>
+          </a:bodyPr>
+          <a:lstStyle/>
+          <a:p>
+            <a:r>
+              <a:rPr lang="en-GB" sz="1000" dirty="0"/>
+              <a:t>Note there appears to be no correlation between feature value and contribution. </a:t>
+            </a:r>
+            <a:r>
+              <a:rPr lang="en-GB" sz="1000" b="1" dirty="0"/>
+              <a:t>This is expected because spatial relationships are vital for image data. This is why CNNs are often superior to other  ML models with image data.</a:t>
+            </a:r>
           </a:p>
         </p:txBody>
       </p:sp>
     </p:spTree>
+    <p:extLst>
+      <p:ext uri="{BB962C8B-B14F-4D97-AF65-F5344CB8AC3E}">
+        <p14:creationId xmlns:p14="http://schemas.microsoft.com/office/powerpoint/2010/main" val="3645207610"/>
+      </p:ext>
+    </p:extLst>
   </p:cSld>
   <p:clrMapOvr>
     <a:masterClrMapping/>
@@ -8861,11 +8708,11 @@
 </file>
 
 <file path=ppt/slides/slide12.xml><?xml version="1.0" encoding="utf-8"?>
-<p:sld xmlns:a="http://schemas.openxmlformats.org/drawingml/2006/main" xmlns:r="http://schemas.openxmlformats.org/officeDocument/2006/relationships" xmlns:p="http://schemas.openxmlformats.org/presentationml/2006/main" show="0">
+<p:sld xmlns:a="http://schemas.openxmlformats.org/drawingml/2006/main" xmlns:r="http://schemas.openxmlformats.org/officeDocument/2006/relationships" xmlns:p="http://schemas.openxmlformats.org/presentationml/2006/main">
   <p:cSld>
     <p:spTree>
       <p:nvGrpSpPr>
-        <p:cNvPr id="1" name="Shape 95"/>
+        <p:cNvPr id="1" name="Shape 79"/>
         <p:cNvGrpSpPr/>
         <p:nvPr/>
       </p:nvGrpSpPr>
@@ -8879,7 +8726,7 @@
       </p:grpSpPr>
       <p:sp>
         <p:nvSpPr>
-          <p:cNvPr id="96" name="Google Shape;96;p17"/>
+          <p:cNvPr id="80" name="Google Shape;80;p15"/>
           <p:cNvSpPr txBox="1">
             <a:spLocks noGrp="1"/>
           </p:cNvSpPr>
@@ -8889,8 +8736,8 @@
         </p:nvSpPr>
         <p:spPr>
           <a:xfrm>
-            <a:off x="311700" y="149250"/>
-            <a:ext cx="8520600" cy="572700"/>
+            <a:off x="180700" y="76320"/>
+            <a:ext cx="8520600" cy="831300"/>
           </a:xfrm>
           <a:prstGeom prst="rect">
             <a:avLst/>
@@ -8898,7 +8745,7 @@
         </p:spPr>
         <p:txBody>
           <a:bodyPr spcFirstLastPara="1" wrap="square" lIns="91425" tIns="91425" rIns="91425" bIns="91425" anchor="b" anchorCtr="0">
-            <a:normAutofit fontScale="90000"/>
+            <a:normAutofit/>
           </a:bodyPr>
           <a:lstStyle/>
           <a:p>
@@ -8912,223 +8759,57 @@
               <a:buNone/>
             </a:pPr>
             <a:r>
-              <a:rPr lang="en">
+              <a:rPr lang="en" sz="2400" dirty="0">
                 <a:latin typeface="Poppins"/>
-                <a:ea typeface="Poppins"/>
                 <a:cs typeface="Poppins"/>
                 <a:sym typeface="Poppins"/>
               </a:rPr>
-              <a:t>Model Training</a:t>
+              <a:t>Repository</a:t>
             </a:r>
-            <a:endParaRPr>
+            <a:endParaRPr sz="2400" dirty="0">
               <a:latin typeface="Poppins"/>
-              <a:ea typeface="Poppins"/>
               <a:cs typeface="Poppins"/>
               <a:sym typeface="Poppins"/>
             </a:endParaRPr>
-          </a:p>
-        </p:txBody>
-      </p:sp>
-      <p:sp>
-        <p:nvSpPr>
-          <p:cNvPr id="97" name="Google Shape;97;p17"/>
-          <p:cNvSpPr txBox="1">
-            <a:spLocks noGrp="1"/>
-          </p:cNvSpPr>
-          <p:nvPr>
-            <p:ph type="body" idx="1"/>
-          </p:nvPr>
-        </p:nvSpPr>
-        <p:spPr>
-          <a:xfrm>
-            <a:off x="311700" y="1225225"/>
-            <a:ext cx="8520600" cy="3354000"/>
-          </a:xfrm>
-          <a:prstGeom prst="rect">
-            <a:avLst/>
-          </a:prstGeom>
-        </p:spPr>
-        <p:txBody>
-          <a:bodyPr spcFirstLastPara="1" wrap="square" lIns="91425" tIns="91425" rIns="91425" bIns="91425" anchor="t" anchorCtr="0">
-            <a:normAutofit/>
-          </a:bodyPr>
-          <a:lstStyle/>
-          <a:p>
-            <a:pPr marL="0" lvl="0" indent="0" algn="l" rtl="0">
-              <a:spcBef>
-                <a:spcPts val="0"/>
-              </a:spcBef>
-              <a:spcAft>
-                <a:spcPts val="1200"/>
-              </a:spcAft>
-              <a:buNone/>
-            </a:pPr>
-            <a:endParaRPr/>
           </a:p>
         </p:txBody>
       </p:sp>
       <p:pic>
         <p:nvPicPr>
-          <p:cNvPr id="98" name="Google Shape;98;p17"/>
-          <p:cNvPicPr preferRelativeResize="0"/>
+          <p:cNvPr id="3" name="Picture 2">
+            <a:extLst>
+              <a:ext uri="{FF2B5EF4-FFF2-40B4-BE49-F238E27FC236}">
+                <a16:creationId xmlns:a16="http://schemas.microsoft.com/office/drawing/2014/main" id="{6C07D87B-27DC-CA01-6031-EA8DE10183AA}"/>
+              </a:ext>
+            </a:extLst>
+          </p:cNvPr>
+          <p:cNvPicPr>
+            <a:picLocks noChangeAspect="1"/>
+          </p:cNvPicPr>
           <p:nvPr/>
         </p:nvPicPr>
         <p:blipFill>
-          <a:blip r:embed="rId3">
-            <a:alphaModFix/>
-          </a:blip>
+          <a:blip r:embed="rId3"/>
           <a:stretch>
             <a:fillRect/>
           </a:stretch>
         </p:blipFill>
         <p:spPr>
           <a:xfrm>
-            <a:off x="0" y="819189"/>
-            <a:ext cx="9144001" cy="4324322"/>
+            <a:off x="180700" y="907620"/>
+            <a:ext cx="8265175" cy="3782144"/>
           </a:xfrm>
           <a:prstGeom prst="rect">
             <a:avLst/>
           </a:prstGeom>
-          <a:noFill/>
-          <a:ln>
-            <a:noFill/>
-          </a:ln>
         </p:spPr>
       </p:pic>
-      <p:sp>
-        <p:nvSpPr>
-          <p:cNvPr id="99" name="Google Shape;99;p17"/>
-          <p:cNvSpPr txBox="1"/>
-          <p:nvPr/>
-        </p:nvSpPr>
-        <p:spPr>
-          <a:xfrm>
-            <a:off x="6244500" y="1318600"/>
-            <a:ext cx="2587800" cy="1046700"/>
-          </a:xfrm>
-          <a:prstGeom prst="rect">
-            <a:avLst/>
-          </a:prstGeom>
-          <a:noFill/>
-          <a:ln>
-            <a:noFill/>
-          </a:ln>
-        </p:spPr>
-        <p:txBody>
-          <a:bodyPr spcFirstLastPara="1" wrap="square" lIns="91425" tIns="91425" rIns="91425" bIns="91425" anchor="t" anchorCtr="0">
-            <a:spAutoFit/>
-          </a:bodyPr>
-          <a:lstStyle/>
-          <a:p>
-            <a:pPr marL="0" lvl="0" indent="0" algn="l" rtl="0">
-              <a:spcBef>
-                <a:spcPts val="0"/>
-              </a:spcBef>
-              <a:spcAft>
-                <a:spcPts val="0"/>
-              </a:spcAft>
-              <a:buNone/>
-            </a:pPr>
-            <a:r>
-              <a:rPr lang="en" b="1">
-                <a:latin typeface="Montserrat"/>
-                <a:ea typeface="Montserrat"/>
-                <a:cs typeface="Montserrat"/>
-                <a:sym typeface="Montserrat"/>
-              </a:rPr>
-              <a:t>Validation AUC: 92.4%</a:t>
-            </a:r>
-            <a:endParaRPr b="1">
-              <a:latin typeface="Montserrat"/>
-              <a:ea typeface="Montserrat"/>
-              <a:cs typeface="Montserrat"/>
-              <a:sym typeface="Montserrat"/>
-            </a:endParaRPr>
-          </a:p>
-          <a:p>
-            <a:pPr marL="0" lvl="0" indent="0" algn="l" rtl="0">
-              <a:spcBef>
-                <a:spcPts val="0"/>
-              </a:spcBef>
-              <a:spcAft>
-                <a:spcPts val="0"/>
-              </a:spcAft>
-              <a:buNone/>
-            </a:pPr>
-            <a:r>
-              <a:rPr lang="en" b="1">
-                <a:latin typeface="Montserrat"/>
-                <a:ea typeface="Montserrat"/>
-                <a:cs typeface="Montserrat"/>
-                <a:sym typeface="Montserrat"/>
-              </a:rPr>
-              <a:t>Validation Acc.: </a:t>
-            </a:r>
-            <a:r>
-              <a:rPr lang="en" b="1">
-                <a:solidFill>
-                  <a:schemeClr val="dk1"/>
-                </a:solidFill>
-                <a:latin typeface="Montserrat"/>
-                <a:ea typeface="Montserrat"/>
-                <a:cs typeface="Montserrat"/>
-                <a:sym typeface="Montserrat"/>
-              </a:rPr>
-              <a:t>88.8%</a:t>
-            </a:r>
-            <a:br>
-              <a:rPr lang="en" b="1">
-                <a:latin typeface="Montserrat"/>
-                <a:ea typeface="Montserrat"/>
-                <a:cs typeface="Montserrat"/>
-                <a:sym typeface="Montserrat"/>
-              </a:rPr>
-            </a:br>
-            <a:r>
-              <a:rPr lang="en" b="1">
-                <a:latin typeface="Montserrat"/>
-                <a:ea typeface="Montserrat"/>
-                <a:cs typeface="Montserrat"/>
-                <a:sym typeface="Montserrat"/>
-              </a:rPr>
-              <a:t>Test AUC: 92.5%</a:t>
-            </a:r>
-            <a:endParaRPr b="1">
-              <a:latin typeface="Montserrat"/>
-              <a:ea typeface="Montserrat"/>
-              <a:cs typeface="Montserrat"/>
-              <a:sym typeface="Montserrat"/>
-            </a:endParaRPr>
-          </a:p>
-          <a:p>
-            <a:pPr marL="0" lvl="0" indent="0" algn="l" rtl="0">
-              <a:spcBef>
-                <a:spcPts val="0"/>
-              </a:spcBef>
-              <a:spcAft>
-                <a:spcPts val="0"/>
-              </a:spcAft>
-              <a:buNone/>
-            </a:pPr>
-            <a:r>
-              <a:rPr lang="en" b="1">
-                <a:latin typeface="Montserrat"/>
-                <a:ea typeface="Montserrat"/>
-                <a:cs typeface="Montserrat"/>
-                <a:sym typeface="Montserrat"/>
-              </a:rPr>
-              <a:t>Test Acc.: 87.7%</a:t>
-            </a:r>
-            <a:endParaRPr b="1">
-              <a:latin typeface="Montserrat"/>
-              <a:ea typeface="Montserrat"/>
-              <a:cs typeface="Montserrat"/>
-              <a:sym typeface="Montserrat"/>
-            </a:endParaRPr>
-          </a:p>
-        </p:txBody>
-      </p:sp>
     </p:spTree>
+    <p:extLst>
+      <p:ext uri="{BB962C8B-B14F-4D97-AF65-F5344CB8AC3E}">
+        <p14:creationId xmlns:p14="http://schemas.microsoft.com/office/powerpoint/2010/main" val="314088551"/>
+      </p:ext>
+    </p:extLst>
   </p:cSld>
   <p:clrMapOvr>
     <a:masterClrMapping/>
@@ -9137,11 +8818,11 @@
 </file>
 
 <file path=ppt/slides/slide13.xml><?xml version="1.0" encoding="utf-8"?>
-<p:sld xmlns:a="http://schemas.openxmlformats.org/drawingml/2006/main" xmlns:r="http://schemas.openxmlformats.org/officeDocument/2006/relationships" xmlns:p="http://schemas.openxmlformats.org/presentationml/2006/main" show="0">
+<p:sld xmlns:a="http://schemas.openxmlformats.org/drawingml/2006/main" xmlns:r="http://schemas.openxmlformats.org/officeDocument/2006/relationships" xmlns:p="http://schemas.openxmlformats.org/presentationml/2006/main">
   <p:cSld>
     <p:spTree>
       <p:nvGrpSpPr>
-        <p:cNvPr id="1" name="Shape 103"/>
+        <p:cNvPr id="1" name="Shape 79"/>
         <p:cNvGrpSpPr/>
         <p:nvPr/>
       </p:nvGrpSpPr>
@@ -9155,7 +8836,7 @@
       </p:grpSpPr>
       <p:sp>
         <p:nvSpPr>
-          <p:cNvPr id="104" name="Google Shape;104;p18"/>
+          <p:cNvPr id="80" name="Google Shape;80;p15"/>
           <p:cNvSpPr txBox="1">
             <a:spLocks noGrp="1"/>
           </p:cNvSpPr>
@@ -9165,7 +8846,7 @@
         </p:nvSpPr>
         <p:spPr>
           <a:xfrm>
-            <a:off x="311700" y="315925"/>
+            <a:off x="180700" y="76320"/>
             <a:ext cx="8520600" cy="831300"/>
           </a:xfrm>
           <a:prstGeom prst="rect">
@@ -9188,105 +8869,117 @@
               <a:buNone/>
             </a:pPr>
             <a:r>
-              <a:rPr lang="en">
+              <a:rPr lang="en" sz="2400" dirty="0">
                 <a:latin typeface="Poppins"/>
-                <a:ea typeface="Poppins"/>
                 <a:cs typeface="Poppins"/>
                 <a:sym typeface="Poppins"/>
               </a:rPr>
-              <a:t>Model Evaluation</a:t>
+              <a:t>Positives</a:t>
             </a:r>
-            <a:endParaRPr>
+            <a:endParaRPr sz="2400" dirty="0">
               <a:latin typeface="Poppins"/>
-              <a:ea typeface="Poppins"/>
               <a:cs typeface="Poppins"/>
               <a:sym typeface="Poppins"/>
             </a:endParaRPr>
           </a:p>
         </p:txBody>
       </p:sp>
-      <p:pic>
-        <p:nvPicPr>
-          <p:cNvPr id="105" name="Google Shape;105;p18"/>
-          <p:cNvPicPr preferRelativeResize="0"/>
-          <p:nvPr/>
-        </p:nvPicPr>
-        <p:blipFill>
-          <a:blip r:embed="rId3">
-            <a:alphaModFix/>
-          </a:blip>
-          <a:stretch>
-            <a:fillRect/>
-          </a:stretch>
-        </p:blipFill>
-        <p:spPr>
-          <a:xfrm>
-            <a:off x="-801000" y="866675"/>
-            <a:ext cx="8355526" cy="4177774"/>
-          </a:xfrm>
-          <a:prstGeom prst="rect">
-            <a:avLst/>
-          </a:prstGeom>
-          <a:noFill/>
-          <a:ln>
-            <a:noFill/>
-          </a:ln>
-        </p:spPr>
-      </p:pic>
       <p:sp>
         <p:nvSpPr>
-          <p:cNvPr id="106" name="Google Shape;106;p18"/>
-          <p:cNvSpPr txBox="1"/>
-          <p:nvPr/>
+          <p:cNvPr id="7" name="Text Placeholder 6">
+            <a:extLst>
+              <a:ext uri="{FF2B5EF4-FFF2-40B4-BE49-F238E27FC236}">
+                <a16:creationId xmlns:a16="http://schemas.microsoft.com/office/drawing/2014/main" id="{02DC9995-F860-B5E2-C573-F8B94A5C23CB}"/>
+              </a:ext>
+            </a:extLst>
+          </p:cNvPr>
+          <p:cNvSpPr>
+            <a:spLocks noGrp="1"/>
+          </p:cNvSpPr>
+          <p:nvPr>
+            <p:ph type="body" idx="1"/>
+          </p:nvPr>
         </p:nvSpPr>
-        <p:spPr>
-          <a:xfrm>
-            <a:off x="7036800" y="3844900"/>
-            <a:ext cx="2107200" cy="714300"/>
-          </a:xfrm>
-          <a:prstGeom prst="rect">
-            <a:avLst/>
-          </a:prstGeom>
-          <a:noFill/>
-          <a:ln>
-            <a:noFill/>
-          </a:ln>
-        </p:spPr>
+        <p:spPr/>
         <p:txBody>
-          <a:bodyPr spcFirstLastPara="1" wrap="square" lIns="91425" tIns="91425" rIns="91425" bIns="91425" anchor="t" anchorCtr="0">
-            <a:spAutoFit/>
+          <a:bodyPr>
+            <a:normAutofit lnSpcReduction="10000"/>
           </a:bodyPr>
           <a:lstStyle/>
           <a:p>
-            <a:pPr marL="0" lvl="0" indent="0" algn="l" rtl="0">
-              <a:lnSpc>
-                <a:spcPct val="115000"/>
-              </a:lnSpc>
-              <a:spcBef>
-                <a:spcPts val="0"/>
-              </a:spcBef>
-              <a:spcAft>
-                <a:spcPts val="1200"/>
-              </a:spcAft>
-              <a:buNone/>
-            </a:pPr>
             <a:r>
-              <a:rPr lang="en" sz="1600">
-                <a:solidFill>
-                  <a:schemeClr val="dk1"/>
-                </a:solidFill>
+              <a:rPr lang="en-GB" dirty="0">
                 <a:latin typeface="Montserrat"/>
-                <a:ea typeface="Montserrat"/>
-                <a:cs typeface="Montserrat"/>
                 <a:sym typeface="Montserrat"/>
               </a:rPr>
-              <a:t>We had to reduce samples to 16x16</a:t>
+              <a:t>Clear conclusions. It can be seen that the Sobel feature is the most important, and semblance is the least important on the prediction of salt.  </a:t>
             </a:r>
-            <a:endParaRPr/>
+          </a:p>
+          <a:p>
+            <a:endParaRPr lang="en-GB" dirty="0">
+              <a:latin typeface="Montserrat"/>
+              <a:sym typeface="Montserrat"/>
+            </a:endParaRPr>
+          </a:p>
+          <a:p>
+            <a:r>
+              <a:rPr lang="en-GB" dirty="0">
+                <a:latin typeface="Montserrat"/>
+                <a:sym typeface="Montserrat"/>
+              </a:rPr>
+              <a:t>Explainable AI is satisfying. It is important to understand why models make the predictions they do. </a:t>
+            </a:r>
+          </a:p>
+          <a:p>
+            <a:endParaRPr lang="en-GB" dirty="0">
+              <a:latin typeface="Montserrat"/>
+              <a:sym typeface="Montserrat"/>
+            </a:endParaRPr>
+          </a:p>
+          <a:p>
+            <a:r>
+              <a:rPr lang="en-GB" dirty="0">
+                <a:latin typeface="Montserrat"/>
+                <a:sym typeface="Montserrat"/>
+              </a:rPr>
+              <a:t>Data is open source and easy to load/process. </a:t>
+            </a:r>
+          </a:p>
+          <a:p>
+            <a:endParaRPr lang="en-GB" dirty="0">
+              <a:latin typeface="Montserrat"/>
+              <a:sym typeface="Montserrat"/>
+            </a:endParaRPr>
+          </a:p>
+          <a:p>
+            <a:r>
+              <a:rPr lang="en-GB" dirty="0">
+                <a:latin typeface="Montserrat"/>
+                <a:sym typeface="Montserrat"/>
+              </a:rPr>
+              <a:t>Entire project is reproducible and although a little slow, doesn’t require specialised hardware. </a:t>
+            </a:r>
+          </a:p>
+          <a:p>
+            <a:endParaRPr lang="en-GB" dirty="0">
+              <a:latin typeface="Montserrat"/>
+              <a:sym typeface="Montserrat"/>
+            </a:endParaRPr>
+          </a:p>
+          <a:p>
+            <a:endParaRPr lang="en-GB" dirty="0"/>
+          </a:p>
+          <a:p>
+            <a:endParaRPr lang="en-GB" dirty="0"/>
           </a:p>
         </p:txBody>
       </p:sp>
     </p:spTree>
+    <p:extLst>
+      <p:ext uri="{BB962C8B-B14F-4D97-AF65-F5344CB8AC3E}">
+        <p14:creationId xmlns:p14="http://schemas.microsoft.com/office/powerpoint/2010/main" val="4189776004"/>
+      </p:ext>
+    </p:extLst>
   </p:cSld>
   <p:clrMapOvr>
     <a:masterClrMapping/>
@@ -9295,11 +8988,11 @@
 </file>
 
 <file path=ppt/slides/slide14.xml><?xml version="1.0" encoding="utf-8"?>
-<p:sld xmlns:a="http://schemas.openxmlformats.org/drawingml/2006/main" xmlns:r="http://schemas.openxmlformats.org/officeDocument/2006/relationships" xmlns:p="http://schemas.openxmlformats.org/presentationml/2006/main" show="0">
+<p:sld xmlns:a="http://schemas.openxmlformats.org/drawingml/2006/main" xmlns:r="http://schemas.openxmlformats.org/officeDocument/2006/relationships" xmlns:p="http://schemas.openxmlformats.org/presentationml/2006/main">
   <p:cSld>
     <p:spTree>
       <p:nvGrpSpPr>
-        <p:cNvPr id="1" name="Shape 110"/>
+        <p:cNvPr id="1" name="Shape 79"/>
         <p:cNvGrpSpPr/>
         <p:nvPr/>
       </p:nvGrpSpPr>
@@ -9313,7 +9006,7 @@
       </p:grpSpPr>
       <p:sp>
         <p:nvSpPr>
-          <p:cNvPr id="111" name="Google Shape;111;p19"/>
+          <p:cNvPr id="80" name="Google Shape;80;p15"/>
           <p:cNvSpPr txBox="1">
             <a:spLocks noGrp="1"/>
           </p:cNvSpPr>
@@ -9323,8 +9016,8 @@
         </p:nvSpPr>
         <p:spPr>
           <a:xfrm>
-            <a:off x="311700" y="259525"/>
-            <a:ext cx="8520600" cy="572700"/>
+            <a:off x="180700" y="76320"/>
+            <a:ext cx="8520600" cy="831300"/>
           </a:xfrm>
           <a:prstGeom prst="rect">
             <a:avLst/>
@@ -9332,7 +9025,7 @@
         </p:spPr>
         <p:txBody>
           <a:bodyPr spcFirstLastPara="1" wrap="square" lIns="91425" tIns="91425" rIns="91425" bIns="91425" anchor="b" anchorCtr="0">
-            <a:normAutofit fontScale="90000"/>
+            <a:normAutofit/>
           </a:bodyPr>
           <a:lstStyle/>
           <a:p>
@@ -9346,52 +9039,123 @@
               <a:buNone/>
             </a:pPr>
             <a:r>
-              <a:rPr lang="en">
+              <a:rPr lang="en" sz="2400" dirty="0">
                 <a:latin typeface="Poppins"/>
-                <a:ea typeface="Poppins"/>
                 <a:cs typeface="Poppins"/>
                 <a:sym typeface="Poppins"/>
               </a:rPr>
-              <a:t>Shap Evaluation</a:t>
+              <a:t>Challenges and Further Work</a:t>
             </a:r>
-            <a:endParaRPr>
+            <a:endParaRPr sz="2400" dirty="0">
               <a:latin typeface="Poppins"/>
-              <a:ea typeface="Poppins"/>
               <a:cs typeface="Poppins"/>
               <a:sym typeface="Poppins"/>
             </a:endParaRPr>
           </a:p>
         </p:txBody>
       </p:sp>
-      <p:pic>
-        <p:nvPicPr>
-          <p:cNvPr id="112" name="Google Shape;112;p19"/>
-          <p:cNvPicPr preferRelativeResize="0"/>
-          <p:nvPr/>
-        </p:nvPicPr>
-        <p:blipFill>
-          <a:blip r:embed="rId3">
-            <a:alphaModFix/>
-          </a:blip>
-          <a:stretch>
-            <a:fillRect/>
-          </a:stretch>
-        </p:blipFill>
-        <p:spPr>
-          <a:xfrm>
-            <a:off x="2350000" y="946950"/>
-            <a:ext cx="3850100" cy="3453725"/>
-          </a:xfrm>
-          <a:prstGeom prst="rect">
-            <a:avLst/>
-          </a:prstGeom>
-          <a:noFill/>
-          <a:ln>
-            <a:noFill/>
-          </a:ln>
-        </p:spPr>
-      </p:pic>
+      <p:sp>
+        <p:nvSpPr>
+          <p:cNvPr id="7" name="Text Placeholder 6">
+            <a:extLst>
+              <a:ext uri="{FF2B5EF4-FFF2-40B4-BE49-F238E27FC236}">
+                <a16:creationId xmlns:a16="http://schemas.microsoft.com/office/drawing/2014/main" id="{02DC9995-F860-B5E2-C573-F8B94A5C23CB}"/>
+              </a:ext>
+            </a:extLst>
+          </p:cNvPr>
+          <p:cNvSpPr>
+            <a:spLocks noGrp="1"/>
+          </p:cNvSpPr>
+          <p:nvPr>
+            <p:ph type="body" idx="1"/>
+          </p:nvPr>
+        </p:nvSpPr>
+        <p:spPr/>
+        <p:txBody>
+          <a:bodyPr>
+            <a:normAutofit lnSpcReduction="10000"/>
+          </a:bodyPr>
+          <a:lstStyle/>
+          <a:p>
+            <a:r>
+              <a:rPr lang="en" sz="1800" dirty="0">
+                <a:latin typeface="Montserrat"/>
+                <a:ea typeface="Montserrat"/>
+                <a:cs typeface="Montserrat"/>
+                <a:sym typeface="Montserrat"/>
+              </a:rPr>
+              <a:t>Computing the SHAP values </a:t>
+            </a:r>
+            <a:r>
+              <a:rPr lang="en" sz="1800" b="1" dirty="0">
+                <a:solidFill>
+                  <a:schemeClr val="dk1"/>
+                </a:solidFill>
+                <a:latin typeface="Montserrat"/>
+                <a:ea typeface="Montserrat"/>
+                <a:cs typeface="Montserrat"/>
+                <a:sym typeface="Montserrat"/>
+              </a:rPr>
+              <a:t>isn’t optimized yet to GPUs. Very slow to generate SHAP values</a:t>
+            </a:r>
+          </a:p>
+          <a:p>
+            <a:endParaRPr lang="en" b="1" dirty="0">
+              <a:latin typeface="Montserrat"/>
+              <a:ea typeface="Montserrat"/>
+              <a:cs typeface="Montserrat"/>
+              <a:sym typeface="Montserrat"/>
+            </a:endParaRPr>
+          </a:p>
+          <a:p>
+            <a:r>
+              <a:rPr lang="en" sz="1800" dirty="0">
+                <a:solidFill>
+                  <a:schemeClr val="dk1"/>
+                </a:solidFill>
+                <a:latin typeface="Montserrat"/>
+                <a:ea typeface="Montserrat"/>
+                <a:cs typeface="Montserrat"/>
+                <a:sym typeface="Montserrat"/>
+              </a:rPr>
+              <a:t>Baseline model performance could be improved with some regularisation such as augmentation.  </a:t>
+            </a:r>
+          </a:p>
+          <a:p>
+            <a:endParaRPr lang="en-GB" dirty="0"/>
+          </a:p>
+          <a:p>
+            <a:r>
+              <a:rPr lang="en-GB" dirty="0"/>
+              <a:t>Parameter tuning or transfer learning would likely improve performance too. </a:t>
+            </a:r>
+          </a:p>
+          <a:p>
+            <a:pPr marL="114300" indent="0">
+              <a:buNone/>
+            </a:pPr>
+            <a:endParaRPr lang="en-GB" dirty="0"/>
+          </a:p>
+          <a:p>
+            <a:r>
+              <a:rPr lang="en-GB" dirty="0"/>
+              <a:t>No in-depth evaluation into segmentation performance. Where does our current model struggle the most? </a:t>
+            </a:r>
+          </a:p>
+          <a:p>
+            <a:endParaRPr lang="en-GB" dirty="0"/>
+          </a:p>
+          <a:p>
+            <a:endParaRPr lang="en-GB" dirty="0"/>
+          </a:p>
+        </p:txBody>
+      </p:sp>
     </p:spTree>
+    <p:extLst>
+      <p:ext uri="{BB962C8B-B14F-4D97-AF65-F5344CB8AC3E}">
+        <p14:creationId xmlns:p14="http://schemas.microsoft.com/office/powerpoint/2010/main" val="805260201"/>
+      </p:ext>
+    </p:extLst>
   </p:cSld>
   <p:clrMapOvr>
     <a:masterClrMapping/>
@@ -9400,1116 +9164,7 @@
 </file>
 
 <file path=ppt/slides/slide15.xml><?xml version="1.0" encoding="utf-8"?>
-<p:sld xmlns:a="http://schemas.openxmlformats.org/drawingml/2006/main" xmlns:r="http://schemas.openxmlformats.org/officeDocument/2006/relationships" xmlns:p="http://schemas.openxmlformats.org/presentationml/2006/main" show="0">
-  <p:cSld>
-    <p:spTree>
-      <p:nvGrpSpPr>
-        <p:cNvPr id="1" name="Shape 116"/>
-        <p:cNvGrpSpPr/>
-        <p:nvPr/>
-      </p:nvGrpSpPr>
-      <p:grpSpPr>
-        <a:xfrm>
-          <a:off x="0" y="0"/>
-          <a:ext cx="0" cy="0"/>
-          <a:chOff x="0" y="0"/>
-          <a:chExt cx="0" cy="0"/>
-        </a:xfrm>
-      </p:grpSpPr>
-      <p:sp>
-        <p:nvSpPr>
-          <p:cNvPr id="117" name="Google Shape;117;p20"/>
-          <p:cNvSpPr txBox="1">
-            <a:spLocks noGrp="1"/>
-          </p:cNvSpPr>
-          <p:nvPr>
-            <p:ph type="title"/>
-          </p:nvPr>
-        </p:nvSpPr>
-        <p:spPr>
-          <a:xfrm>
-            <a:off x="311700" y="259525"/>
-            <a:ext cx="8520600" cy="572700"/>
-          </a:xfrm>
-          <a:prstGeom prst="rect">
-            <a:avLst/>
-          </a:prstGeom>
-        </p:spPr>
-        <p:txBody>
-          <a:bodyPr spcFirstLastPara="1" wrap="square" lIns="91425" tIns="91425" rIns="91425" bIns="91425" anchor="b" anchorCtr="0">
-            <a:normAutofit fontScale="90000"/>
-          </a:bodyPr>
-          <a:lstStyle/>
-          <a:p>
-            <a:pPr marL="0" lvl="0" indent="0" algn="l" rtl="0">
-              <a:spcBef>
-                <a:spcPts val="0"/>
-              </a:spcBef>
-              <a:spcAft>
-                <a:spcPts val="0"/>
-              </a:spcAft>
-              <a:buNone/>
-            </a:pPr>
-            <a:r>
-              <a:rPr lang="en">
-                <a:latin typeface="Poppins"/>
-                <a:ea typeface="Poppins"/>
-                <a:cs typeface="Poppins"/>
-                <a:sym typeface="Poppins"/>
-              </a:rPr>
-              <a:t>Shap Evaluation</a:t>
-            </a:r>
-            <a:endParaRPr>
-              <a:latin typeface="Poppins"/>
-              <a:ea typeface="Poppins"/>
-              <a:cs typeface="Poppins"/>
-              <a:sym typeface="Poppins"/>
-            </a:endParaRPr>
-          </a:p>
-        </p:txBody>
-      </p:sp>
-      <p:pic>
-        <p:nvPicPr>
-          <p:cNvPr id="118" name="Google Shape;118;p20"/>
-          <p:cNvPicPr preferRelativeResize="0"/>
-          <p:nvPr/>
-        </p:nvPicPr>
-        <p:blipFill rotWithShape="1">
-          <a:blip r:embed="rId3">
-            <a:alphaModFix/>
-          </a:blip>
-          <a:srcRect l="10393" r="8726"/>
-          <a:stretch/>
-        </p:blipFill>
-        <p:spPr>
-          <a:xfrm>
-            <a:off x="390213" y="670202"/>
-            <a:ext cx="8363575" cy="4700225"/>
-          </a:xfrm>
-          <a:prstGeom prst="rect">
-            <a:avLst/>
-          </a:prstGeom>
-          <a:noFill/>
-          <a:ln>
-            <a:noFill/>
-          </a:ln>
-        </p:spPr>
-      </p:pic>
-    </p:spTree>
-  </p:cSld>
-  <p:clrMapOvr>
-    <a:masterClrMapping/>
-  </p:clrMapOvr>
-  <p:timing>
-    <p:tnLst>
-      <p:par>
-        <p:cTn id="1" dur="indefinite" restart="never" nodeType="tmRoot">
-          <p:childTnLst>
-            <p:seq concurrent="1" nextAc="seek">
-              <p:cTn id="2" dur="indefinite" nodeType="mainSeq">
-                <p:childTnLst>
-                  <p:par>
-                    <p:cTn id="3" fill="hold">
-                      <p:stCondLst>
-                        <p:cond delay="indefinite"/>
-                      </p:stCondLst>
-                      <p:childTnLst>
-                        <p:par>
-                          <p:cTn id="4" fill="hold">
-                            <p:stCondLst>
-                              <p:cond delay="0"/>
-                            </p:stCondLst>
-                            <p:childTnLst>
-                              <p:par>
-                                <p:cTn id="5" presetID="10" presetClass="entr" presetSubtype="0" fill="hold" nodeType="clickEffect">
-                                  <p:stCondLst>
-                                    <p:cond delay="0"/>
-                                  </p:stCondLst>
-                                  <p:childTnLst>
-                                    <p:set>
-                                      <p:cBhvr>
-                                        <p:cTn id="6" dur="1" fill="hold">
-                                          <p:stCondLst>
-                                            <p:cond delay="0"/>
-                                          </p:stCondLst>
-                                        </p:cTn>
-                                        <p:tgtEl>
-                                          <p:spTgt spid="118"/>
-                                        </p:tgtEl>
-                                        <p:attrNameLst>
-                                          <p:attrName>style.visibility</p:attrName>
-                                        </p:attrNameLst>
-                                      </p:cBhvr>
-                                      <p:to>
-                                        <p:strVal val="visible"/>
-                                      </p:to>
-                                    </p:set>
-                                    <p:animEffect transition="in" filter="fade">
-                                      <p:cBhvr>
-                                        <p:cTn id="7" dur="1000"/>
-                                        <p:tgtEl>
-                                          <p:spTgt spid="118"/>
-                                        </p:tgtEl>
-                                      </p:cBhvr>
-                                    </p:animEffect>
-                                  </p:childTnLst>
-                                </p:cTn>
-                              </p:par>
-                            </p:childTnLst>
-                          </p:cTn>
-                        </p:par>
-                      </p:childTnLst>
-                    </p:cTn>
-                  </p:par>
-                </p:childTnLst>
-              </p:cTn>
-              <p:prevCondLst>
-                <p:cond evt="onPrev" delay="0">
-                  <p:tgtEl>
-                    <p:sldTgt/>
-                  </p:tgtEl>
-                </p:cond>
-              </p:prevCondLst>
-              <p:nextCondLst>
-                <p:cond evt="onNext" delay="0">
-                  <p:tgtEl>
-                    <p:sldTgt/>
-                  </p:tgtEl>
-                </p:cond>
-              </p:nextCondLst>
-            </p:seq>
-          </p:childTnLst>
-        </p:cTn>
-      </p:par>
-    </p:tnLst>
-  </p:timing>
-</p:sld>
-</file>
-
-<file path=ppt/slides/slide16.xml><?xml version="1.0" encoding="utf-8"?>
-<p:sld xmlns:a="http://schemas.openxmlformats.org/drawingml/2006/main" xmlns:r="http://schemas.openxmlformats.org/officeDocument/2006/relationships" xmlns:p="http://schemas.openxmlformats.org/presentationml/2006/main" show="0">
-  <p:cSld>
-    <p:spTree>
-      <p:nvGrpSpPr>
-        <p:cNvPr id="1" name="Shape 122"/>
-        <p:cNvGrpSpPr/>
-        <p:nvPr/>
-      </p:nvGrpSpPr>
-      <p:grpSpPr>
-        <a:xfrm>
-          <a:off x="0" y="0"/>
-          <a:ext cx="0" cy="0"/>
-          <a:chOff x="0" y="0"/>
-          <a:chExt cx="0" cy="0"/>
-        </a:xfrm>
-      </p:grpSpPr>
-      <p:sp>
-        <p:nvSpPr>
-          <p:cNvPr id="123" name="Google Shape;123;p21"/>
-          <p:cNvSpPr txBox="1">
-            <a:spLocks noGrp="1"/>
-          </p:cNvSpPr>
-          <p:nvPr>
-            <p:ph type="title"/>
-          </p:nvPr>
-        </p:nvSpPr>
-        <p:spPr>
-          <a:xfrm>
-            <a:off x="311700" y="315925"/>
-            <a:ext cx="8520600" cy="831300"/>
-          </a:xfrm>
-          <a:prstGeom prst="rect">
-            <a:avLst/>
-          </a:prstGeom>
-        </p:spPr>
-        <p:txBody>
-          <a:bodyPr spcFirstLastPara="1" wrap="square" lIns="91425" tIns="91425" rIns="91425" bIns="91425" anchor="b" anchorCtr="0">
-            <a:normAutofit/>
-          </a:bodyPr>
-          <a:lstStyle/>
-          <a:p>
-            <a:pPr marL="0" lvl="0" indent="0" algn="l" rtl="0">
-              <a:spcBef>
-                <a:spcPts val="0"/>
-              </a:spcBef>
-              <a:spcAft>
-                <a:spcPts val="0"/>
-              </a:spcAft>
-              <a:buNone/>
-            </a:pPr>
-            <a:r>
-              <a:rPr lang="en">
-                <a:latin typeface="Poppins"/>
-                <a:ea typeface="Poppins"/>
-                <a:cs typeface="Poppins"/>
-                <a:sym typeface="Poppins"/>
-              </a:rPr>
-              <a:t>Shap Evaluation</a:t>
-            </a:r>
-            <a:endParaRPr>
-              <a:latin typeface="Poppins"/>
-              <a:ea typeface="Poppins"/>
-              <a:cs typeface="Poppins"/>
-              <a:sym typeface="Poppins"/>
-            </a:endParaRPr>
-          </a:p>
-        </p:txBody>
-      </p:sp>
-      <p:pic>
-        <p:nvPicPr>
-          <p:cNvPr id="124" name="Google Shape;124;p21"/>
-          <p:cNvPicPr preferRelativeResize="0"/>
-          <p:nvPr/>
-        </p:nvPicPr>
-        <p:blipFill>
-          <a:blip r:embed="rId3">
-            <a:alphaModFix/>
-          </a:blip>
-          <a:stretch>
-            <a:fillRect/>
-          </a:stretch>
-        </p:blipFill>
-        <p:spPr>
-          <a:xfrm>
-            <a:off x="4430925" y="1209900"/>
-            <a:ext cx="1935670" cy="1736400"/>
-          </a:xfrm>
-          <a:prstGeom prst="rect">
-            <a:avLst/>
-          </a:prstGeom>
-          <a:noFill/>
-          <a:ln>
-            <a:noFill/>
-          </a:ln>
-        </p:spPr>
-      </p:pic>
-      <p:sp>
-        <p:nvSpPr>
-          <p:cNvPr id="125" name="Google Shape;125;p21"/>
-          <p:cNvSpPr/>
-          <p:nvPr/>
-        </p:nvSpPr>
-        <p:spPr>
-          <a:xfrm>
-            <a:off x="5592482" y="1840214"/>
-            <a:ext cx="151500" cy="160500"/>
-          </a:xfrm>
-          <a:prstGeom prst="ellipse">
-            <a:avLst/>
-          </a:prstGeom>
-          <a:solidFill>
-            <a:schemeClr val="lt2"/>
-          </a:solidFill>
-          <a:ln w="9525" cap="flat" cmpd="sng">
-            <a:solidFill>
-              <a:schemeClr val="dk2"/>
-            </a:solidFill>
-            <a:prstDash val="solid"/>
-            <a:round/>
-            <a:headEnd type="none" w="sm" len="sm"/>
-            <a:tailEnd type="none" w="sm" len="sm"/>
-          </a:ln>
-        </p:spPr>
-        <p:txBody>
-          <a:bodyPr spcFirstLastPara="1" wrap="square" lIns="91425" tIns="91425" rIns="91425" bIns="91425" anchor="ctr" anchorCtr="0">
-            <a:noAutofit/>
-          </a:bodyPr>
-          <a:lstStyle/>
-          <a:p>
-            <a:pPr marL="0" lvl="0" indent="0" algn="l" rtl="0">
-              <a:spcBef>
-                <a:spcPts val="0"/>
-              </a:spcBef>
-              <a:spcAft>
-                <a:spcPts val="0"/>
-              </a:spcAft>
-              <a:buNone/>
-            </a:pPr>
-            <a:endParaRPr/>
-          </a:p>
-        </p:txBody>
-      </p:sp>
-      <p:pic>
-        <p:nvPicPr>
-          <p:cNvPr id="126" name="Google Shape;126;p21"/>
-          <p:cNvPicPr preferRelativeResize="0"/>
-          <p:nvPr/>
-        </p:nvPicPr>
-        <p:blipFill rotWithShape="1">
-          <a:blip r:embed="rId4">
-            <a:alphaModFix/>
-          </a:blip>
-          <a:srcRect l="39172" t="49356" r="35685" b="7325"/>
-          <a:stretch/>
-        </p:blipFill>
-        <p:spPr>
-          <a:xfrm>
-            <a:off x="6557621" y="1291533"/>
-            <a:ext cx="1826204" cy="1573130"/>
-          </a:xfrm>
-          <a:prstGeom prst="rect">
-            <a:avLst/>
-          </a:prstGeom>
-          <a:noFill/>
-          <a:ln>
-            <a:noFill/>
-          </a:ln>
-        </p:spPr>
-      </p:pic>
-      <p:sp>
-        <p:nvSpPr>
-          <p:cNvPr id="127" name="Google Shape;127;p21"/>
-          <p:cNvSpPr/>
-          <p:nvPr/>
-        </p:nvSpPr>
-        <p:spPr>
-          <a:xfrm>
-            <a:off x="7640957" y="1840214"/>
-            <a:ext cx="151500" cy="160500"/>
-          </a:xfrm>
-          <a:prstGeom prst="ellipse">
-            <a:avLst/>
-          </a:prstGeom>
-          <a:solidFill>
-            <a:schemeClr val="lt2"/>
-          </a:solidFill>
-          <a:ln w="9525" cap="flat" cmpd="sng">
-            <a:solidFill>
-              <a:schemeClr val="dk2"/>
-            </a:solidFill>
-            <a:prstDash val="solid"/>
-            <a:round/>
-            <a:headEnd type="none" w="sm" len="sm"/>
-            <a:tailEnd type="none" w="sm" len="sm"/>
-          </a:ln>
-        </p:spPr>
-        <p:txBody>
-          <a:bodyPr spcFirstLastPara="1" wrap="square" lIns="91425" tIns="91425" rIns="91425" bIns="91425" anchor="ctr" anchorCtr="0">
-            <a:noAutofit/>
-          </a:bodyPr>
-          <a:lstStyle/>
-          <a:p>
-            <a:pPr marL="0" lvl="0" indent="0" algn="l" rtl="0">
-              <a:spcBef>
-                <a:spcPts val="0"/>
-              </a:spcBef>
-              <a:spcAft>
-                <a:spcPts val="0"/>
-              </a:spcAft>
-              <a:buNone/>
-            </a:pPr>
-            <a:endParaRPr/>
-          </a:p>
-        </p:txBody>
-      </p:sp>
-      <p:pic>
-        <p:nvPicPr>
-          <p:cNvPr id="128" name="Google Shape;128;p21"/>
-          <p:cNvPicPr preferRelativeResize="0"/>
-          <p:nvPr/>
-        </p:nvPicPr>
-        <p:blipFill>
-          <a:blip r:embed="rId5">
-            <a:alphaModFix/>
-          </a:blip>
-          <a:stretch>
-            <a:fillRect/>
-          </a:stretch>
-        </p:blipFill>
-        <p:spPr>
-          <a:xfrm>
-            <a:off x="188500" y="1555425"/>
-            <a:ext cx="3258400" cy="1345325"/>
-          </a:xfrm>
-          <a:prstGeom prst="rect">
-            <a:avLst/>
-          </a:prstGeom>
-          <a:noFill/>
-          <a:ln>
-            <a:noFill/>
-          </a:ln>
-        </p:spPr>
-      </p:pic>
-      <p:cxnSp>
-        <p:nvCxnSpPr>
-          <p:cNvPr id="129" name="Google Shape;129;p21"/>
-          <p:cNvCxnSpPr/>
-          <p:nvPr/>
-        </p:nvCxnSpPr>
-        <p:spPr>
-          <a:xfrm>
-            <a:off x="849000" y="3940750"/>
-            <a:ext cx="367800" cy="0"/>
-          </a:xfrm>
-          <a:prstGeom prst="straightConnector1">
-            <a:avLst/>
-          </a:prstGeom>
-          <a:noFill/>
-          <a:ln w="9525" cap="flat" cmpd="sng">
-            <a:solidFill>
-              <a:schemeClr val="dk2"/>
-            </a:solidFill>
-            <a:prstDash val="solid"/>
-            <a:round/>
-            <a:headEnd type="none" w="med" len="med"/>
-            <a:tailEnd type="triangle" w="med" len="med"/>
-          </a:ln>
-        </p:spPr>
-      </p:cxnSp>
-      <p:cxnSp>
-        <p:nvCxnSpPr>
-          <p:cNvPr id="130" name="Google Shape;130;p21"/>
-          <p:cNvCxnSpPr/>
-          <p:nvPr/>
-        </p:nvCxnSpPr>
-        <p:spPr>
-          <a:xfrm>
-            <a:off x="1829175" y="3940750"/>
-            <a:ext cx="1496100" cy="0"/>
-          </a:xfrm>
-          <a:prstGeom prst="straightConnector1">
-            <a:avLst/>
-          </a:prstGeom>
-          <a:noFill/>
-          <a:ln w="9525" cap="flat" cmpd="sng">
-            <a:solidFill>
-              <a:schemeClr val="dk2"/>
-            </a:solidFill>
-            <a:prstDash val="solid"/>
-            <a:round/>
-            <a:headEnd type="none" w="med" len="med"/>
-            <a:tailEnd type="triangle" w="med" len="med"/>
-          </a:ln>
-        </p:spPr>
-      </p:cxnSp>
-      <p:cxnSp>
-        <p:nvCxnSpPr>
-          <p:cNvPr id="131" name="Google Shape;131;p21"/>
-          <p:cNvCxnSpPr/>
-          <p:nvPr/>
-        </p:nvCxnSpPr>
-        <p:spPr>
-          <a:xfrm>
-            <a:off x="3989950" y="3940750"/>
-            <a:ext cx="361200" cy="0"/>
-          </a:xfrm>
-          <a:prstGeom prst="straightConnector1">
-            <a:avLst/>
-          </a:prstGeom>
-          <a:noFill/>
-          <a:ln w="9525" cap="flat" cmpd="sng">
-            <a:solidFill>
-              <a:schemeClr val="dk2"/>
-            </a:solidFill>
-            <a:prstDash val="solid"/>
-            <a:round/>
-            <a:headEnd type="none" w="med" len="med"/>
-            <a:tailEnd type="triangle" w="med" len="med"/>
-          </a:ln>
-        </p:spPr>
-      </p:cxnSp>
-      <p:pic>
-        <p:nvPicPr>
-          <p:cNvPr id="132" name="Google Shape;132;p21"/>
-          <p:cNvPicPr preferRelativeResize="0"/>
-          <p:nvPr/>
-        </p:nvPicPr>
-        <p:blipFill>
-          <a:blip r:embed="rId6">
-            <a:alphaModFix/>
-          </a:blip>
-          <a:stretch>
-            <a:fillRect/>
-          </a:stretch>
-        </p:blipFill>
-        <p:spPr>
-          <a:xfrm>
-            <a:off x="347075" y="3105775"/>
-            <a:ext cx="7005906" cy="1892400"/>
-          </a:xfrm>
-          <a:prstGeom prst="rect">
-            <a:avLst/>
-          </a:prstGeom>
-          <a:noFill/>
-          <a:ln>
-            <a:noFill/>
-          </a:ln>
-        </p:spPr>
-      </p:pic>
-      <p:cxnSp>
-        <p:nvCxnSpPr>
-          <p:cNvPr id="133" name="Google Shape;133;p21"/>
-          <p:cNvCxnSpPr/>
-          <p:nvPr/>
-        </p:nvCxnSpPr>
-        <p:spPr>
-          <a:xfrm>
-            <a:off x="806550" y="4016600"/>
-            <a:ext cx="315000" cy="0"/>
-          </a:xfrm>
-          <a:prstGeom prst="straightConnector1">
-            <a:avLst/>
-          </a:prstGeom>
-          <a:noFill/>
-          <a:ln w="9525" cap="flat" cmpd="sng">
-            <a:solidFill>
-              <a:schemeClr val="dk2"/>
-            </a:solidFill>
-            <a:prstDash val="solid"/>
-            <a:round/>
-            <a:headEnd type="none" w="med" len="med"/>
-            <a:tailEnd type="triangle" w="med" len="med"/>
-          </a:ln>
-        </p:spPr>
-      </p:cxnSp>
-      <p:cxnSp>
-        <p:nvCxnSpPr>
-          <p:cNvPr id="134" name="Google Shape;134;p21"/>
-          <p:cNvCxnSpPr/>
-          <p:nvPr/>
-        </p:nvCxnSpPr>
-        <p:spPr>
-          <a:xfrm>
-            <a:off x="1570875" y="4016600"/>
-            <a:ext cx="1754400" cy="0"/>
-          </a:xfrm>
-          <a:prstGeom prst="straightConnector1">
-            <a:avLst/>
-          </a:prstGeom>
-          <a:noFill/>
-          <a:ln w="9525" cap="flat" cmpd="sng">
-            <a:solidFill>
-              <a:schemeClr val="dk2"/>
-            </a:solidFill>
-            <a:prstDash val="solid"/>
-            <a:round/>
-            <a:headEnd type="none" w="med" len="med"/>
-            <a:tailEnd type="triangle" w="med" len="med"/>
-          </a:ln>
-        </p:spPr>
-      </p:cxnSp>
-      <p:cxnSp>
-        <p:nvCxnSpPr>
-          <p:cNvPr id="135" name="Google Shape;135;p21"/>
-          <p:cNvCxnSpPr/>
-          <p:nvPr/>
-        </p:nvCxnSpPr>
-        <p:spPr>
-          <a:xfrm>
-            <a:off x="3789150" y="4016600"/>
-            <a:ext cx="279000" cy="0"/>
-          </a:xfrm>
-          <a:prstGeom prst="straightConnector1">
-            <a:avLst/>
-          </a:prstGeom>
-          <a:noFill/>
-          <a:ln w="9525" cap="flat" cmpd="sng">
-            <a:solidFill>
-              <a:schemeClr val="dk2"/>
-            </a:solidFill>
-            <a:prstDash val="solid"/>
-            <a:round/>
-            <a:headEnd type="none" w="med" len="med"/>
-            <a:tailEnd type="triangle" w="med" len="med"/>
-          </a:ln>
-        </p:spPr>
-      </p:cxnSp>
-      <p:cxnSp>
-        <p:nvCxnSpPr>
-          <p:cNvPr id="136" name="Google Shape;136;p21"/>
-          <p:cNvCxnSpPr/>
-          <p:nvPr/>
-        </p:nvCxnSpPr>
-        <p:spPr>
-          <a:xfrm>
-            <a:off x="4645075" y="4016600"/>
-            <a:ext cx="947400" cy="0"/>
-          </a:xfrm>
-          <a:prstGeom prst="straightConnector1">
-            <a:avLst/>
-          </a:prstGeom>
-          <a:noFill/>
-          <a:ln w="9525" cap="flat" cmpd="sng">
-            <a:solidFill>
-              <a:schemeClr val="dk2"/>
-            </a:solidFill>
-            <a:prstDash val="solid"/>
-            <a:round/>
-            <a:headEnd type="none" w="med" len="med"/>
-            <a:tailEnd type="triangle" w="med" len="med"/>
-          </a:ln>
-        </p:spPr>
-      </p:cxnSp>
-      <p:cxnSp>
-        <p:nvCxnSpPr>
-          <p:cNvPr id="137" name="Google Shape;137;p21"/>
-          <p:cNvCxnSpPr/>
-          <p:nvPr/>
-        </p:nvCxnSpPr>
-        <p:spPr>
-          <a:xfrm>
-            <a:off x="6212475" y="3981225"/>
-            <a:ext cx="487500" cy="0"/>
-          </a:xfrm>
-          <a:prstGeom prst="straightConnector1">
-            <a:avLst/>
-          </a:prstGeom>
-          <a:noFill/>
-          <a:ln w="9525" cap="flat" cmpd="sng">
-            <a:solidFill>
-              <a:schemeClr val="dk2"/>
-            </a:solidFill>
-            <a:prstDash val="solid"/>
-            <a:round/>
-            <a:headEnd type="none" w="med" len="med"/>
-            <a:tailEnd type="triangle" w="med" len="med"/>
-          </a:ln>
-        </p:spPr>
-      </p:cxnSp>
-    </p:spTree>
-  </p:cSld>
-  <p:clrMapOvr>
-    <a:masterClrMapping/>
-  </p:clrMapOvr>
-</p:sld>
-</file>
-
-<file path=ppt/slides/slide17.xml><?xml version="1.0" encoding="utf-8"?>
-<p:sld xmlns:a="http://schemas.openxmlformats.org/drawingml/2006/main" xmlns:r="http://schemas.openxmlformats.org/officeDocument/2006/relationships" xmlns:p="http://schemas.openxmlformats.org/presentationml/2006/main" show="0">
-  <p:cSld>
-    <p:spTree>
-      <p:nvGrpSpPr>
-        <p:cNvPr id="1" name="Shape 141"/>
-        <p:cNvGrpSpPr/>
-        <p:nvPr/>
-      </p:nvGrpSpPr>
-      <p:grpSpPr>
-        <a:xfrm>
-          <a:off x="0" y="0"/>
-          <a:ext cx="0" cy="0"/>
-          <a:chOff x="0" y="0"/>
-          <a:chExt cx="0" cy="0"/>
-        </a:xfrm>
-      </p:grpSpPr>
-      <p:sp>
-        <p:nvSpPr>
-          <p:cNvPr id="142" name="Google Shape;142;p22"/>
-          <p:cNvSpPr txBox="1">
-            <a:spLocks noGrp="1"/>
-          </p:cNvSpPr>
-          <p:nvPr>
-            <p:ph type="title"/>
-          </p:nvPr>
-        </p:nvSpPr>
-        <p:spPr>
-          <a:xfrm>
-            <a:off x="311700" y="315925"/>
-            <a:ext cx="8520600" cy="831300"/>
-          </a:xfrm>
-          <a:prstGeom prst="rect">
-            <a:avLst/>
-          </a:prstGeom>
-        </p:spPr>
-        <p:txBody>
-          <a:bodyPr spcFirstLastPara="1" wrap="square" lIns="91425" tIns="91425" rIns="91425" bIns="91425" anchor="b" anchorCtr="0">
-            <a:normAutofit/>
-          </a:bodyPr>
-          <a:lstStyle/>
-          <a:p>
-            <a:pPr marL="0" lvl="0" indent="0" algn="l" rtl="0">
-              <a:spcBef>
-                <a:spcPts val="0"/>
-              </a:spcBef>
-              <a:spcAft>
-                <a:spcPts val="0"/>
-              </a:spcAft>
-              <a:buNone/>
-            </a:pPr>
-            <a:r>
-              <a:rPr lang="en">
-                <a:latin typeface="Poppins"/>
-                <a:ea typeface="Poppins"/>
-                <a:cs typeface="Poppins"/>
-                <a:sym typeface="Poppins"/>
-              </a:rPr>
-              <a:t>Challenges</a:t>
-            </a:r>
-            <a:endParaRPr>
-              <a:latin typeface="Poppins"/>
-              <a:ea typeface="Poppins"/>
-              <a:cs typeface="Poppins"/>
-              <a:sym typeface="Poppins"/>
-            </a:endParaRPr>
-          </a:p>
-        </p:txBody>
-      </p:sp>
-      <p:sp>
-        <p:nvSpPr>
-          <p:cNvPr id="143" name="Google Shape;143;p22"/>
-          <p:cNvSpPr txBox="1">
-            <a:spLocks noGrp="1"/>
-          </p:cNvSpPr>
-          <p:nvPr>
-            <p:ph type="body" idx="1"/>
-          </p:nvPr>
-        </p:nvSpPr>
-        <p:spPr>
-          <a:xfrm>
-            <a:off x="138546" y="1228675"/>
-            <a:ext cx="7876286" cy="3416400"/>
-          </a:xfrm>
-          <a:prstGeom prst="rect">
-            <a:avLst/>
-          </a:prstGeom>
-        </p:spPr>
-        <p:txBody>
-          <a:bodyPr spcFirstLastPara="1" wrap="square" lIns="91425" tIns="91425" rIns="91425" bIns="91425" anchor="t" anchorCtr="0">
-            <a:normAutofit/>
-          </a:bodyPr>
-          <a:lstStyle/>
-          <a:p>
-            <a:pPr marL="457200" lvl="0" indent="-330200" algn="l" rtl="0">
-              <a:spcBef>
-                <a:spcPts val="0"/>
-              </a:spcBef>
-              <a:spcAft>
-                <a:spcPts val="0"/>
-              </a:spcAft>
-              <a:buClr>
-                <a:schemeClr val="dk1"/>
-              </a:buClr>
-              <a:buSzPts val="1600"/>
-              <a:buFont typeface="Montserrat"/>
-              <a:buChar char="-"/>
-            </a:pPr>
-            <a:endParaRPr lang="en" sz="1600" b="1" dirty="0">
-              <a:latin typeface="Montserrat"/>
-              <a:ea typeface="Montserrat"/>
-              <a:cs typeface="Montserrat"/>
-              <a:sym typeface="Montserrat"/>
-            </a:endParaRPr>
-          </a:p>
-          <a:p>
-            <a:pPr marL="457200" lvl="0" indent="-330200" algn="l" rtl="0">
-              <a:spcBef>
-                <a:spcPts val="0"/>
-              </a:spcBef>
-              <a:spcAft>
-                <a:spcPts val="0"/>
-              </a:spcAft>
-              <a:buClr>
-                <a:schemeClr val="dk1"/>
-              </a:buClr>
-              <a:buSzPts val="1600"/>
-              <a:buFont typeface="Montserrat"/>
-              <a:buChar char="-"/>
-            </a:pPr>
-            <a:endParaRPr sz="1600" dirty="0">
-              <a:solidFill>
-                <a:schemeClr val="dk1"/>
-              </a:solidFill>
-              <a:latin typeface="Montserrat"/>
-              <a:ea typeface="Montserrat"/>
-              <a:cs typeface="Montserrat"/>
-              <a:sym typeface="Montserrat"/>
-            </a:endParaRPr>
-          </a:p>
-        </p:txBody>
-      </p:sp>
-    </p:spTree>
-  </p:cSld>
-  <p:clrMapOvr>
-    <a:masterClrMapping/>
-  </p:clrMapOvr>
-</p:sld>
-</file>
-
-<file path=ppt/slides/slide18.xml><?xml version="1.0" encoding="utf-8"?>
-<p:sld xmlns:a="http://schemas.openxmlformats.org/drawingml/2006/main" xmlns:r="http://schemas.openxmlformats.org/officeDocument/2006/relationships" xmlns:p="http://schemas.openxmlformats.org/presentationml/2006/main" show="0">
-  <p:cSld>
-    <p:spTree>
-      <p:nvGrpSpPr>
-        <p:cNvPr id="1" name="Shape 148"/>
-        <p:cNvGrpSpPr/>
-        <p:nvPr/>
-      </p:nvGrpSpPr>
-      <p:grpSpPr>
-        <a:xfrm>
-          <a:off x="0" y="0"/>
-          <a:ext cx="0" cy="0"/>
-          <a:chOff x="0" y="0"/>
-          <a:chExt cx="0" cy="0"/>
-        </a:xfrm>
-      </p:grpSpPr>
-      <p:sp>
-        <p:nvSpPr>
-          <p:cNvPr id="149" name="Google Shape;149;p23"/>
-          <p:cNvSpPr txBox="1">
-            <a:spLocks noGrp="1"/>
-          </p:cNvSpPr>
-          <p:nvPr>
-            <p:ph type="title"/>
-          </p:nvPr>
-        </p:nvSpPr>
-        <p:spPr>
-          <a:xfrm>
-            <a:off x="311700" y="315925"/>
-            <a:ext cx="8520600" cy="831300"/>
-          </a:xfrm>
-          <a:prstGeom prst="rect">
-            <a:avLst/>
-          </a:prstGeom>
-        </p:spPr>
-        <p:txBody>
-          <a:bodyPr spcFirstLastPara="1" wrap="square" lIns="91425" tIns="91425" rIns="91425" bIns="91425" anchor="b" anchorCtr="0">
-            <a:normAutofit/>
-          </a:bodyPr>
-          <a:lstStyle/>
-          <a:p>
-            <a:pPr marL="0" lvl="0" indent="0" algn="l" rtl="0">
-              <a:spcBef>
-                <a:spcPts val="0"/>
-              </a:spcBef>
-              <a:spcAft>
-                <a:spcPts val="0"/>
-              </a:spcAft>
-              <a:buNone/>
-            </a:pPr>
-            <a:r>
-              <a:rPr lang="en">
-                <a:latin typeface="Poppins"/>
-                <a:ea typeface="Poppins"/>
-                <a:cs typeface="Poppins"/>
-                <a:sym typeface="Poppins"/>
-              </a:rPr>
-              <a:t>Conclusions &amp; Further Work</a:t>
-            </a:r>
-            <a:endParaRPr>
-              <a:latin typeface="Poppins"/>
-              <a:ea typeface="Poppins"/>
-              <a:cs typeface="Poppins"/>
-              <a:sym typeface="Poppins"/>
-            </a:endParaRPr>
-          </a:p>
-        </p:txBody>
-      </p:sp>
-      <p:sp>
-        <p:nvSpPr>
-          <p:cNvPr id="150" name="Google Shape;150;p23"/>
-          <p:cNvSpPr txBox="1">
-            <a:spLocks noGrp="1"/>
-          </p:cNvSpPr>
-          <p:nvPr>
-            <p:ph type="body" idx="1"/>
-          </p:nvPr>
-        </p:nvSpPr>
-        <p:spPr>
-          <a:xfrm>
-            <a:off x="311700" y="1225225"/>
-            <a:ext cx="8520600" cy="3354000"/>
-          </a:xfrm>
-          <a:prstGeom prst="rect">
-            <a:avLst/>
-          </a:prstGeom>
-        </p:spPr>
-        <p:txBody>
-          <a:bodyPr spcFirstLastPara="1" wrap="square" lIns="91425" tIns="91425" rIns="91425" bIns="91425" anchor="t" anchorCtr="0">
-            <a:normAutofit/>
-          </a:bodyPr>
-          <a:lstStyle/>
-          <a:p>
-            <a:pPr marL="0" lvl="0" indent="0" algn="l" rtl="0">
-              <a:spcBef>
-                <a:spcPts val="0"/>
-              </a:spcBef>
-              <a:spcAft>
-                <a:spcPts val="0"/>
-              </a:spcAft>
-              <a:buNone/>
-            </a:pPr>
-            <a:r>
-              <a:rPr lang="en">
-                <a:latin typeface="Montserrat"/>
-                <a:ea typeface="Montserrat"/>
-                <a:cs typeface="Montserrat"/>
-                <a:sym typeface="Montserrat"/>
-              </a:rPr>
-              <a:t>Using SHAP to explain allowed us to:</a:t>
-            </a:r>
-            <a:endParaRPr>
-              <a:latin typeface="Montserrat"/>
-              <a:ea typeface="Montserrat"/>
-              <a:cs typeface="Montserrat"/>
-              <a:sym typeface="Montserrat"/>
-            </a:endParaRPr>
-          </a:p>
-          <a:p>
-            <a:pPr marL="457200" lvl="0" indent="-342900" algn="l" rtl="0">
-              <a:spcBef>
-                <a:spcPts val="1200"/>
-              </a:spcBef>
-              <a:spcAft>
-                <a:spcPts val="0"/>
-              </a:spcAft>
-              <a:buSzPts val="1800"/>
-              <a:buFont typeface="Montserrat"/>
-              <a:buChar char="-"/>
-            </a:pPr>
-            <a:r>
-              <a:rPr lang="en">
-                <a:latin typeface="Montserrat"/>
-                <a:ea typeface="Montserrat"/>
-                <a:cs typeface="Montserrat"/>
-                <a:sym typeface="Montserrat"/>
-              </a:rPr>
-              <a:t>Evaluate possible biases: all the attributes and the seismic data contribute to the predictions;</a:t>
-            </a:r>
-            <a:endParaRPr>
-              <a:latin typeface="Montserrat"/>
-              <a:ea typeface="Montserrat"/>
-              <a:cs typeface="Montserrat"/>
-              <a:sym typeface="Montserrat"/>
-            </a:endParaRPr>
-          </a:p>
-          <a:p>
-            <a:pPr marL="457200" lvl="0" indent="-342900" algn="l" rtl="0">
-              <a:spcBef>
-                <a:spcPts val="0"/>
-              </a:spcBef>
-              <a:spcAft>
-                <a:spcPts val="0"/>
-              </a:spcAft>
-              <a:buSzPts val="1800"/>
-              <a:buFont typeface="Montserrat"/>
-              <a:buChar char="-"/>
-            </a:pPr>
-            <a:r>
-              <a:rPr lang="en">
-                <a:latin typeface="Montserrat"/>
-                <a:ea typeface="Montserrat"/>
-                <a:cs typeface="Montserrat"/>
-                <a:sym typeface="Montserrat"/>
-              </a:rPr>
-              <a:t>Complete data-driven approach;</a:t>
-            </a:r>
-            <a:endParaRPr>
-              <a:latin typeface="Montserrat"/>
-              <a:ea typeface="Montserrat"/>
-              <a:cs typeface="Montserrat"/>
-              <a:sym typeface="Montserrat"/>
-            </a:endParaRPr>
-          </a:p>
-          <a:p>
-            <a:pPr marL="0" lvl="0" indent="0" algn="l" rtl="0">
-              <a:spcBef>
-                <a:spcPts val="1200"/>
-              </a:spcBef>
-              <a:spcAft>
-                <a:spcPts val="0"/>
-              </a:spcAft>
-              <a:buNone/>
-            </a:pPr>
-            <a:endParaRPr>
-              <a:latin typeface="Montserrat"/>
-              <a:ea typeface="Montserrat"/>
-              <a:cs typeface="Montserrat"/>
-              <a:sym typeface="Montserrat"/>
-            </a:endParaRPr>
-          </a:p>
-          <a:p>
-            <a:pPr marL="0" lvl="0" indent="0" algn="l" rtl="0">
-              <a:spcBef>
-                <a:spcPts val="1200"/>
-              </a:spcBef>
-              <a:spcAft>
-                <a:spcPts val="0"/>
-              </a:spcAft>
-              <a:buNone/>
-            </a:pPr>
-            <a:r>
-              <a:rPr lang="en">
-                <a:latin typeface="Montserrat"/>
-                <a:ea typeface="Montserrat"/>
-                <a:cs typeface="Montserrat"/>
-                <a:sym typeface="Montserrat"/>
-              </a:rPr>
-              <a:t>Next steps:</a:t>
-            </a:r>
-            <a:endParaRPr>
-              <a:latin typeface="Montserrat"/>
-              <a:ea typeface="Montserrat"/>
-              <a:cs typeface="Montserrat"/>
-              <a:sym typeface="Montserrat"/>
-            </a:endParaRPr>
-          </a:p>
-          <a:p>
-            <a:pPr marL="457200" lvl="0" indent="-342900" algn="l" rtl="0">
-              <a:spcBef>
-                <a:spcPts val="1200"/>
-              </a:spcBef>
-              <a:spcAft>
-                <a:spcPts val="0"/>
-              </a:spcAft>
-              <a:buSzPts val="1800"/>
-              <a:buFont typeface="Montserrat"/>
-              <a:buChar char="-"/>
-            </a:pPr>
-            <a:r>
-              <a:rPr lang="en">
-                <a:latin typeface="Montserrat"/>
-                <a:ea typeface="Montserrat"/>
-                <a:cs typeface="Montserrat"/>
-                <a:sym typeface="Montserrat"/>
-              </a:rPr>
-              <a:t>Optimize a few parts of the code so it runs faster;</a:t>
-            </a:r>
-            <a:endParaRPr>
-              <a:latin typeface="Montserrat"/>
-              <a:ea typeface="Montserrat"/>
-              <a:cs typeface="Montserrat"/>
-              <a:sym typeface="Montserrat"/>
-            </a:endParaRPr>
-          </a:p>
-          <a:p>
-            <a:pPr marL="457200" lvl="0" indent="-342900" algn="l" rtl="0">
-              <a:spcBef>
-                <a:spcPts val="0"/>
-              </a:spcBef>
-              <a:spcAft>
-                <a:spcPts val="0"/>
-              </a:spcAft>
-              <a:buSzPts val="1800"/>
-              <a:buFont typeface="Montserrat"/>
-              <a:buChar char="-"/>
-            </a:pPr>
-            <a:r>
-              <a:rPr lang="en">
-                <a:latin typeface="Montserrat"/>
-                <a:ea typeface="Montserrat"/>
-                <a:cs typeface="Montserrat"/>
-                <a:sym typeface="Montserrat"/>
-              </a:rPr>
-              <a:t>Reproducible pipeline and experiment tracking.</a:t>
-            </a:r>
-            <a:endParaRPr>
-              <a:latin typeface="Montserrat"/>
-              <a:ea typeface="Montserrat"/>
-              <a:cs typeface="Montserrat"/>
-              <a:sym typeface="Montserrat"/>
-            </a:endParaRPr>
-          </a:p>
-        </p:txBody>
-      </p:sp>
-    </p:spTree>
-  </p:cSld>
-  <p:clrMapOvr>
-    <a:masterClrMapping/>
-  </p:clrMapOvr>
-</p:sld>
-</file>
-
-<file path=ppt/slides/slide19.xml><?xml version="1.0" encoding="utf-8"?>
-<p:sld xmlns:a="http://schemas.openxmlformats.org/drawingml/2006/main" xmlns:r="http://schemas.openxmlformats.org/officeDocument/2006/relationships" xmlns:p="http://schemas.openxmlformats.org/presentationml/2006/main" show="0">
+<p:sld xmlns:a="http://schemas.openxmlformats.org/drawingml/2006/main" xmlns:r="http://schemas.openxmlformats.org/officeDocument/2006/relationships" xmlns:p="http://schemas.openxmlformats.org/presentationml/2006/main">
   <p:cSld>
     <p:spTree>
       <p:nvGrpSpPr>
@@ -10550,27 +9205,16 @@
           </a:bodyPr>
           <a:lstStyle/>
           <a:p>
-            <a:pPr marL="0" lvl="0" indent="0" algn="l" rtl="0">
-              <a:spcBef>
-                <a:spcPts val="0"/>
-              </a:spcBef>
-              <a:spcAft>
-                <a:spcPts val="0"/>
-              </a:spcAft>
-              <a:buNone/>
-            </a:pPr>
             <a:r>
-              <a:rPr lang="en" sz="3600">
+              <a:rPr lang="en" sz="2400" dirty="0">
                 <a:latin typeface="Poppins"/>
-                <a:ea typeface="Poppins"/>
                 <a:cs typeface="Poppins"/>
                 <a:sym typeface="Poppins"/>
               </a:rPr>
               <a:t>Food for thought. . </a:t>
             </a:r>
-            <a:endParaRPr sz="3600">
+            <a:endParaRPr sz="2400" dirty="0">
               <a:latin typeface="Poppins"/>
-              <a:ea typeface="Poppins"/>
               <a:cs typeface="Poppins"/>
               <a:sym typeface="Poppins"/>
             </a:endParaRPr>
@@ -10617,7 +9261,7 @@
               <a:buNone/>
             </a:pPr>
             <a:r>
-              <a:rPr lang="en" b="1">
+              <a:rPr lang="en" b="1" dirty="0">
                 <a:latin typeface="Montserrat"/>
                 <a:ea typeface="Montserrat"/>
                 <a:cs typeface="Montserrat"/>
@@ -10625,7 +9269,7 @@
               </a:rPr>
               <a:t>“Deep learning also makes problem-solving much easier, because it completely automates what used to be the most crucial step in a machine learning workflow: feature engineering. “</a:t>
             </a:r>
-            <a:endParaRPr b="1">
+            <a:endParaRPr b="1" dirty="0">
               <a:latin typeface="Montserrat"/>
               <a:ea typeface="Montserrat"/>
               <a:cs typeface="Montserrat"/>
@@ -10648,7 +9292,7 @@
               <a:buNone/>
             </a:pPr>
             <a:r>
-              <a:rPr lang="en" sz="1600" i="1">
+              <a:rPr lang="en" sz="1600" i="1" dirty="0">
                 <a:latin typeface="Montserrat"/>
                 <a:ea typeface="Montserrat"/>
                 <a:cs typeface="Montserrat"/>
@@ -10656,7 +9300,7 @@
               </a:rPr>
               <a:t>Francois Chollet, Deep Learning with Python, 2021</a:t>
             </a:r>
-            <a:endParaRPr sz="1600" i="1">
+            <a:endParaRPr sz="1600" i="1" dirty="0">
               <a:latin typeface="Montserrat"/>
               <a:ea typeface="Montserrat"/>
               <a:cs typeface="Montserrat"/>
@@ -10666,6 +9310,11 @@
         </p:txBody>
       </p:sp>
     </p:spTree>
+    <p:extLst>
+      <p:ext uri="{BB962C8B-B14F-4D97-AF65-F5344CB8AC3E}">
+        <p14:creationId xmlns:p14="http://schemas.microsoft.com/office/powerpoint/2010/main" val="850825778"/>
+      </p:ext>
+    </p:extLst>
   </p:cSld>
   <p:clrMapOvr>
     <a:masterClrMapping/>
@@ -11101,8 +9750,8 @@
         </p:nvSpPr>
         <p:spPr>
           <a:xfrm>
-            <a:off x="124100" y="2581403"/>
-            <a:ext cx="8839200" cy="2403705"/>
+            <a:off x="124100" y="3010893"/>
+            <a:ext cx="8839200" cy="1908184"/>
           </a:xfrm>
           <a:prstGeom prst="rect">
             <a:avLst/>
@@ -11131,13 +9780,11 @@
               <a:buNone/>
             </a:pPr>
             <a:r>
-              <a:rPr lang="en" sz="1800" dirty="0">
+              <a:rPr lang="en" sz="1600" dirty="0">
                 <a:solidFill>
-                  <a:schemeClr val="dk2"/>
+                  <a:schemeClr val="dk1"/>
                 </a:solidFill>
                 <a:latin typeface="Montserrat"/>
-                <a:ea typeface="Montserrat"/>
-                <a:cs typeface="Montserrat"/>
                 <a:sym typeface="Montserrat"/>
               </a:rPr>
               <a:t>Salt often has a different seismic character compared with other type of geological structures. ‘Attributes’ are calculated to represent different seismic characters.</a:t>
@@ -11157,21 +9804,20 @@
               <a:buNone/>
             </a:pPr>
             <a:r>
-              <a:rPr lang="en" sz="1800" dirty="0">
+              <a:rPr lang="en" sz="1600" dirty="0">
                 <a:solidFill>
-                  <a:schemeClr val="dk2"/>
+                  <a:schemeClr val="dk1"/>
                 </a:solidFill>
                 <a:latin typeface="Montserrat"/>
-                <a:ea typeface="Montserrat"/>
-                <a:cs typeface="Montserrat"/>
                 <a:sym typeface="Montserrat"/>
               </a:rPr>
               <a:t>By stacking the attributes as additional channels alongside the original input, SHAP values can be calculated to give an indication of which images contribute most the models prediction.  </a:t>
             </a:r>
-            <a:endParaRPr dirty="0">
+            <a:endParaRPr sz="1600" dirty="0">
+              <a:solidFill>
+                <a:schemeClr val="dk1"/>
+              </a:solidFill>
               <a:latin typeface="Montserrat"/>
-              <a:ea typeface="Montserrat"/>
-              <a:cs typeface="Montserrat"/>
               <a:sym typeface="Montserrat"/>
             </a:endParaRPr>
           </a:p>
@@ -11215,6 +9861,663 @@
         <p:spPr>
           <a:xfrm>
             <a:off x="180700" y="76320"/>
+            <a:ext cx="3802482" cy="831300"/>
+          </a:xfrm>
+          <a:prstGeom prst="rect">
+            <a:avLst/>
+          </a:prstGeom>
+        </p:spPr>
+        <p:txBody>
+          <a:bodyPr spcFirstLastPara="1" wrap="square" lIns="91425" tIns="91425" rIns="91425" bIns="91425" anchor="b" anchorCtr="0">
+            <a:normAutofit/>
+          </a:bodyPr>
+          <a:lstStyle/>
+          <a:p>
+            <a:pPr marL="0" lvl="0" indent="0" algn="l" rtl="0">
+              <a:spcBef>
+                <a:spcPts val="0"/>
+              </a:spcBef>
+              <a:spcAft>
+                <a:spcPts val="0"/>
+              </a:spcAft>
+              <a:buNone/>
+            </a:pPr>
+            <a:r>
+              <a:rPr lang="en" sz="2400" dirty="0">
+                <a:latin typeface="Poppins"/>
+                <a:cs typeface="Poppins"/>
+                <a:sym typeface="Poppins"/>
+              </a:rPr>
+              <a:t>Model Architecture</a:t>
+            </a:r>
+            <a:endParaRPr sz="2400" dirty="0">
+              <a:latin typeface="Poppins"/>
+              <a:cs typeface="Poppins"/>
+              <a:sym typeface="Poppins"/>
+            </a:endParaRPr>
+          </a:p>
+        </p:txBody>
+      </p:sp>
+      <p:pic>
+        <p:nvPicPr>
+          <p:cNvPr id="1026" name="Picture 2" descr="U-Net: Convolutional Networks for Biomedical Image Segmentation">
+            <a:extLst>
+              <a:ext uri="{FF2B5EF4-FFF2-40B4-BE49-F238E27FC236}">
+                <a16:creationId xmlns:a16="http://schemas.microsoft.com/office/drawing/2014/main" id="{35212D47-D09C-3FD3-F067-CD643295C1D9}"/>
+              </a:ext>
+            </a:extLst>
+          </p:cNvPr>
+          <p:cNvPicPr>
+            <a:picLocks noChangeAspect="1" noChangeArrowheads="1"/>
+          </p:cNvPicPr>
+          <p:nvPr/>
+        </p:nvPicPr>
+        <p:blipFill>
+          <a:blip r:embed="rId3">
+            <a:extLst>
+              <a:ext uri="{28A0092B-C50C-407E-A947-70E740481C1C}">
+                <a14:useLocalDpi xmlns:a14="http://schemas.microsoft.com/office/drawing/2010/main" val="0"/>
+              </a:ext>
+            </a:extLst>
+          </a:blip>
+          <a:srcRect/>
+          <a:stretch>
+            <a:fillRect/>
+          </a:stretch>
+        </p:blipFill>
+        <p:spPr bwMode="auto">
+          <a:xfrm>
+            <a:off x="87745" y="1220066"/>
+            <a:ext cx="4057555" cy="2703368"/>
+          </a:xfrm>
+          <a:prstGeom prst="rect">
+            <a:avLst/>
+          </a:prstGeom>
+          <a:noFill/>
+          <a:extLst>
+            <a:ext uri="{909E8E84-426E-40DD-AFC4-6F175D3DCCD1}">
+              <a14:hiddenFill xmlns:a14="http://schemas.microsoft.com/office/drawing/2010/main">
+                <a:solidFill>
+                  <a:srgbClr val="FFFFFF"/>
+                </a:solidFill>
+              </a14:hiddenFill>
+            </a:ext>
+          </a:extLst>
+        </p:spPr>
+      </p:pic>
+      <p:sp>
+        <p:nvSpPr>
+          <p:cNvPr id="2" name="TextBox 1">
+            <a:extLst>
+              <a:ext uri="{FF2B5EF4-FFF2-40B4-BE49-F238E27FC236}">
+                <a16:creationId xmlns:a16="http://schemas.microsoft.com/office/drawing/2014/main" id="{F4EB73FA-6672-87F1-2AEF-B9158DDCA15D}"/>
+              </a:ext>
+            </a:extLst>
+          </p:cNvPr>
+          <p:cNvSpPr txBox="1"/>
+          <p:nvPr/>
+        </p:nvSpPr>
+        <p:spPr>
+          <a:xfrm>
+            <a:off x="1004455" y="4081991"/>
+            <a:ext cx="1704109" cy="307777"/>
+          </a:xfrm>
+          <a:prstGeom prst="rect">
+            <a:avLst/>
+          </a:prstGeom>
+          <a:noFill/>
+        </p:spPr>
+        <p:txBody>
+          <a:bodyPr wrap="square" rtlCol="0">
+            <a:spAutoFit/>
+          </a:bodyPr>
+          <a:lstStyle/>
+          <a:p>
+            <a:r>
+              <a:rPr lang="en-GB" dirty="0"/>
+              <a:t>U-Net Architecture</a:t>
+            </a:r>
+          </a:p>
+        </p:txBody>
+      </p:sp>
+      <p:sp>
+        <p:nvSpPr>
+          <p:cNvPr id="4" name="TextBox 3">
+            <a:extLst>
+              <a:ext uri="{FF2B5EF4-FFF2-40B4-BE49-F238E27FC236}">
+                <a16:creationId xmlns:a16="http://schemas.microsoft.com/office/drawing/2014/main" id="{F80E692D-1A80-8674-2270-79EDC4230E9F}"/>
+              </a:ext>
+            </a:extLst>
+          </p:cNvPr>
+          <p:cNvSpPr txBox="1"/>
+          <p:nvPr/>
+        </p:nvSpPr>
+        <p:spPr>
+          <a:xfrm>
+            <a:off x="0" y="4548325"/>
+            <a:ext cx="3585538" cy="415498"/>
+          </a:xfrm>
+          <a:prstGeom prst="rect">
+            <a:avLst/>
+          </a:prstGeom>
+          <a:noFill/>
+        </p:spPr>
+        <p:txBody>
+          <a:bodyPr wrap="square">
+            <a:spAutoFit/>
+          </a:bodyPr>
+          <a:lstStyle/>
+          <a:p>
+            <a:r>
+              <a:rPr lang="en-GB" sz="700" b="0" i="0" dirty="0" err="1">
+                <a:solidFill>
+                  <a:srgbClr val="222222"/>
+                </a:solidFill>
+                <a:effectLst/>
+                <a:latin typeface="Arial" panose="020B0604020202020204" pitchFamily="34" charset="0"/>
+              </a:rPr>
+              <a:t>Ronneberger</a:t>
+            </a:r>
+            <a:r>
+              <a:rPr lang="en-GB" sz="700" b="0" i="0" dirty="0">
+                <a:solidFill>
+                  <a:srgbClr val="222222"/>
+                </a:solidFill>
+                <a:effectLst/>
+                <a:latin typeface="Arial" panose="020B0604020202020204" pitchFamily="34" charset="0"/>
+              </a:rPr>
+              <a:t>, Olaf, Philipp Fischer, and Thomas </a:t>
+            </a:r>
+            <a:r>
+              <a:rPr lang="en-GB" sz="700" b="0" i="0" dirty="0" err="1">
+                <a:solidFill>
+                  <a:srgbClr val="222222"/>
+                </a:solidFill>
+                <a:effectLst/>
+                <a:latin typeface="Arial" panose="020B0604020202020204" pitchFamily="34" charset="0"/>
+              </a:rPr>
+              <a:t>Brox</a:t>
+            </a:r>
+            <a:r>
+              <a:rPr lang="en-GB" sz="700" b="0" i="0" dirty="0">
+                <a:solidFill>
+                  <a:srgbClr val="222222"/>
+                </a:solidFill>
+                <a:effectLst/>
+                <a:latin typeface="Arial" panose="020B0604020202020204" pitchFamily="34" charset="0"/>
+              </a:rPr>
+              <a:t>. "U-net: Convolutional networks for biomedical image segmentation." </a:t>
+            </a:r>
+            <a:r>
+              <a:rPr lang="en-GB" sz="700" b="0" i="1" dirty="0">
+                <a:solidFill>
+                  <a:srgbClr val="222222"/>
+                </a:solidFill>
+                <a:effectLst/>
+                <a:latin typeface="Arial" panose="020B0604020202020204" pitchFamily="34" charset="0"/>
+              </a:rPr>
+              <a:t>International Conference on Medical image computing and computer-assisted intervention</a:t>
+            </a:r>
+            <a:r>
+              <a:rPr lang="en-GB" sz="700" b="0" i="0" dirty="0">
+                <a:solidFill>
+                  <a:srgbClr val="222222"/>
+                </a:solidFill>
+                <a:effectLst/>
+                <a:latin typeface="Arial" panose="020B0604020202020204" pitchFamily="34" charset="0"/>
+              </a:rPr>
+              <a:t>. Springer, Cham, 2015.</a:t>
+            </a:r>
+            <a:endParaRPr lang="en-GB" sz="700" dirty="0"/>
+          </a:p>
+        </p:txBody>
+      </p:sp>
+      <p:pic>
+        <p:nvPicPr>
+          <p:cNvPr id="6" name="Picture 5">
+            <a:extLst>
+              <a:ext uri="{FF2B5EF4-FFF2-40B4-BE49-F238E27FC236}">
+                <a16:creationId xmlns:a16="http://schemas.microsoft.com/office/drawing/2014/main" id="{2E0FD3A4-714C-EDB7-2EE4-1F3648B51DEF}"/>
+              </a:ext>
+            </a:extLst>
+          </p:cNvPr>
+          <p:cNvPicPr>
+            <a:picLocks noChangeAspect="1"/>
+          </p:cNvPicPr>
+          <p:nvPr/>
+        </p:nvPicPr>
+        <p:blipFill>
+          <a:blip r:embed="rId4"/>
+          <a:stretch>
+            <a:fillRect/>
+          </a:stretch>
+        </p:blipFill>
+        <p:spPr>
+          <a:xfrm>
+            <a:off x="5102610" y="145698"/>
+            <a:ext cx="3170068" cy="3936293"/>
+          </a:xfrm>
+          <a:prstGeom prst="rect">
+            <a:avLst/>
+          </a:prstGeom>
+        </p:spPr>
+      </p:pic>
+      <p:sp>
+        <p:nvSpPr>
+          <p:cNvPr id="7" name="TextBox 6">
+            <a:extLst>
+              <a:ext uri="{FF2B5EF4-FFF2-40B4-BE49-F238E27FC236}">
+                <a16:creationId xmlns:a16="http://schemas.microsoft.com/office/drawing/2014/main" id="{EE28F016-461A-8606-2503-DC4FC694B23A}"/>
+              </a:ext>
+            </a:extLst>
+          </p:cNvPr>
+          <p:cNvSpPr txBox="1"/>
+          <p:nvPr/>
+        </p:nvSpPr>
+        <p:spPr>
+          <a:xfrm>
+            <a:off x="5655480" y="4151369"/>
+            <a:ext cx="2193120" cy="307777"/>
+          </a:xfrm>
+          <a:prstGeom prst="rect">
+            <a:avLst/>
+          </a:prstGeom>
+          <a:noFill/>
+        </p:spPr>
+        <p:txBody>
+          <a:bodyPr wrap="square" rtlCol="0">
+            <a:spAutoFit/>
+          </a:bodyPr>
+          <a:lstStyle/>
+          <a:p>
+            <a:r>
+              <a:rPr lang="en-GB" dirty="0"/>
+              <a:t>Built in </a:t>
+            </a:r>
+            <a:r>
+              <a:rPr lang="en-GB" dirty="0" err="1"/>
+              <a:t>Tensorflow</a:t>
+            </a:r>
+            <a:r>
+              <a:rPr lang="en-GB" dirty="0"/>
+              <a:t>/</a:t>
+            </a:r>
+            <a:r>
+              <a:rPr lang="en-GB" dirty="0" err="1"/>
+              <a:t>Keras</a:t>
+            </a:r>
+            <a:endParaRPr lang="en-GB" dirty="0"/>
+          </a:p>
+        </p:txBody>
+      </p:sp>
+    </p:spTree>
+    <p:extLst>
+      <p:ext uri="{BB962C8B-B14F-4D97-AF65-F5344CB8AC3E}">
+        <p14:creationId xmlns:p14="http://schemas.microsoft.com/office/powerpoint/2010/main" val="1807409378"/>
+      </p:ext>
+    </p:extLst>
+  </p:cSld>
+  <p:clrMapOvr>
+    <a:masterClrMapping/>
+  </p:clrMapOvr>
+</p:sld>
+</file>
+
+<file path=ppt/slides/slide5.xml><?xml version="1.0" encoding="utf-8"?>
+<p:sld xmlns:a="http://schemas.openxmlformats.org/drawingml/2006/main" xmlns:r="http://schemas.openxmlformats.org/officeDocument/2006/relationships" xmlns:p="http://schemas.openxmlformats.org/presentationml/2006/main">
+  <p:cSld>
+    <p:spTree>
+      <p:nvGrpSpPr>
+        <p:cNvPr id="1" name="Shape 79"/>
+        <p:cNvGrpSpPr/>
+        <p:nvPr/>
+      </p:nvGrpSpPr>
+      <p:grpSpPr>
+        <a:xfrm>
+          <a:off x="0" y="0"/>
+          <a:ext cx="0" cy="0"/>
+          <a:chOff x="0" y="0"/>
+          <a:chExt cx="0" cy="0"/>
+        </a:xfrm>
+      </p:grpSpPr>
+      <p:sp>
+        <p:nvSpPr>
+          <p:cNvPr id="80" name="Google Shape;80;p15"/>
+          <p:cNvSpPr txBox="1">
+            <a:spLocks noGrp="1"/>
+          </p:cNvSpPr>
+          <p:nvPr>
+            <p:ph type="title"/>
+          </p:nvPr>
+        </p:nvSpPr>
+        <p:spPr>
+          <a:xfrm>
+            <a:off x="180700" y="76320"/>
+            <a:ext cx="8520600" cy="831300"/>
+          </a:xfrm>
+          <a:prstGeom prst="rect">
+            <a:avLst/>
+          </a:prstGeom>
+        </p:spPr>
+        <p:txBody>
+          <a:bodyPr spcFirstLastPara="1" wrap="square" lIns="91425" tIns="91425" rIns="91425" bIns="91425" anchor="b" anchorCtr="0">
+            <a:normAutofit/>
+          </a:bodyPr>
+          <a:lstStyle/>
+          <a:p>
+            <a:pPr marL="0" lvl="0" indent="0" algn="l" rtl="0">
+              <a:spcBef>
+                <a:spcPts val="0"/>
+              </a:spcBef>
+              <a:spcAft>
+                <a:spcPts val="0"/>
+              </a:spcAft>
+              <a:buNone/>
+            </a:pPr>
+            <a:r>
+              <a:rPr lang="en" sz="2400" dirty="0">
+                <a:latin typeface="Poppins"/>
+                <a:cs typeface="Poppins"/>
+                <a:sym typeface="Poppins"/>
+              </a:rPr>
+              <a:t>Learning Curves and Training Details</a:t>
+            </a:r>
+            <a:endParaRPr sz="2400" dirty="0">
+              <a:latin typeface="Poppins"/>
+              <a:cs typeface="Poppins"/>
+              <a:sym typeface="Poppins"/>
+            </a:endParaRPr>
+          </a:p>
+        </p:txBody>
+      </p:sp>
+      <p:sp>
+        <p:nvSpPr>
+          <p:cNvPr id="7" name="Text Placeholder 6">
+            <a:extLst>
+              <a:ext uri="{FF2B5EF4-FFF2-40B4-BE49-F238E27FC236}">
+                <a16:creationId xmlns:a16="http://schemas.microsoft.com/office/drawing/2014/main" id="{ACD21250-9C99-0C77-6349-C9F3951BD120}"/>
+              </a:ext>
+            </a:extLst>
+          </p:cNvPr>
+          <p:cNvSpPr>
+            <a:spLocks noGrp="1"/>
+          </p:cNvSpPr>
+          <p:nvPr>
+            <p:ph type="body" idx="1"/>
+          </p:nvPr>
+        </p:nvSpPr>
+        <p:spPr/>
+        <p:txBody>
+          <a:bodyPr/>
+          <a:lstStyle/>
+          <a:p>
+            <a:endParaRPr lang="en-GB"/>
+          </a:p>
+        </p:txBody>
+      </p:sp>
+    </p:spTree>
+    <p:extLst>
+      <p:ext uri="{BB962C8B-B14F-4D97-AF65-F5344CB8AC3E}">
+        <p14:creationId xmlns:p14="http://schemas.microsoft.com/office/powerpoint/2010/main" val="2257816124"/>
+      </p:ext>
+    </p:extLst>
+  </p:cSld>
+  <p:clrMapOvr>
+    <a:masterClrMapping/>
+  </p:clrMapOvr>
+</p:sld>
+</file>
+
+<file path=ppt/slides/slide6.xml><?xml version="1.0" encoding="utf-8"?>
+<p:sld xmlns:a="http://schemas.openxmlformats.org/drawingml/2006/main" xmlns:r="http://schemas.openxmlformats.org/officeDocument/2006/relationships" xmlns:p="http://schemas.openxmlformats.org/presentationml/2006/main">
+  <p:cSld>
+    <p:spTree>
+      <p:nvGrpSpPr>
+        <p:cNvPr id="1" name="Shape 79"/>
+        <p:cNvGrpSpPr/>
+        <p:nvPr/>
+      </p:nvGrpSpPr>
+      <p:grpSpPr>
+        <a:xfrm>
+          <a:off x="0" y="0"/>
+          <a:ext cx="0" cy="0"/>
+          <a:chOff x="0" y="0"/>
+          <a:chExt cx="0" cy="0"/>
+        </a:xfrm>
+      </p:grpSpPr>
+      <p:sp>
+        <p:nvSpPr>
+          <p:cNvPr id="80" name="Google Shape;80;p15"/>
+          <p:cNvSpPr txBox="1">
+            <a:spLocks noGrp="1"/>
+          </p:cNvSpPr>
+          <p:nvPr>
+            <p:ph type="title"/>
+          </p:nvPr>
+        </p:nvSpPr>
+        <p:spPr>
+          <a:xfrm>
+            <a:off x="180700" y="76320"/>
+            <a:ext cx="8520600" cy="831300"/>
+          </a:xfrm>
+          <a:prstGeom prst="rect">
+            <a:avLst/>
+          </a:prstGeom>
+        </p:spPr>
+        <p:txBody>
+          <a:bodyPr spcFirstLastPara="1" wrap="square" lIns="91425" tIns="91425" rIns="91425" bIns="91425" anchor="b" anchorCtr="0">
+            <a:normAutofit/>
+          </a:bodyPr>
+          <a:lstStyle/>
+          <a:p>
+            <a:pPr marL="0" lvl="0" indent="0" algn="l" rtl="0">
+              <a:spcBef>
+                <a:spcPts val="0"/>
+              </a:spcBef>
+              <a:spcAft>
+                <a:spcPts val="0"/>
+              </a:spcAft>
+              <a:buNone/>
+            </a:pPr>
+            <a:r>
+              <a:rPr lang="en" sz="2400" dirty="0">
+                <a:latin typeface="Poppins"/>
+                <a:cs typeface="Poppins"/>
+                <a:sym typeface="Poppins"/>
+              </a:rPr>
+              <a:t>Segmentation Results</a:t>
+            </a:r>
+            <a:endParaRPr sz="2400" dirty="0">
+              <a:latin typeface="Poppins"/>
+              <a:cs typeface="Poppins"/>
+              <a:sym typeface="Poppins"/>
+            </a:endParaRPr>
+          </a:p>
+        </p:txBody>
+      </p:sp>
+      <p:pic>
+        <p:nvPicPr>
+          <p:cNvPr id="3" name="Picture 2" descr="Graphical user interface&#10;&#10;Description automatically generated">
+            <a:extLst>
+              <a:ext uri="{FF2B5EF4-FFF2-40B4-BE49-F238E27FC236}">
+                <a16:creationId xmlns:a16="http://schemas.microsoft.com/office/drawing/2014/main" id="{573F3224-D976-9347-A78B-3358D7A23574}"/>
+              </a:ext>
+            </a:extLst>
+          </p:cNvPr>
+          <p:cNvPicPr>
+            <a:picLocks noChangeAspect="1"/>
+          </p:cNvPicPr>
+          <p:nvPr/>
+        </p:nvPicPr>
+        <p:blipFill rotWithShape="1">
+          <a:blip r:embed="rId3"/>
+          <a:srcRect l="9166" r="8759" b="8063"/>
+          <a:stretch/>
+        </p:blipFill>
+        <p:spPr>
+          <a:xfrm>
+            <a:off x="942109" y="1053093"/>
+            <a:ext cx="5562601" cy="3738551"/>
+          </a:xfrm>
+          <a:prstGeom prst="rect">
+            <a:avLst/>
+          </a:prstGeom>
+        </p:spPr>
+      </p:pic>
+    </p:spTree>
+    <p:extLst>
+      <p:ext uri="{BB962C8B-B14F-4D97-AF65-F5344CB8AC3E}">
+        <p14:creationId xmlns:p14="http://schemas.microsoft.com/office/powerpoint/2010/main" val="3867092139"/>
+      </p:ext>
+    </p:extLst>
+  </p:cSld>
+  <p:clrMapOvr>
+    <a:masterClrMapping/>
+  </p:clrMapOvr>
+</p:sld>
+</file>
+
+<file path=ppt/slides/slide7.xml><?xml version="1.0" encoding="utf-8"?>
+<p:sld xmlns:a="http://schemas.openxmlformats.org/drawingml/2006/main" xmlns:r="http://schemas.openxmlformats.org/officeDocument/2006/relationships" xmlns:p="http://schemas.openxmlformats.org/presentationml/2006/main">
+  <p:cSld>
+    <p:spTree>
+      <p:nvGrpSpPr>
+        <p:cNvPr id="1" name="Shape 79"/>
+        <p:cNvGrpSpPr/>
+        <p:nvPr/>
+      </p:nvGrpSpPr>
+      <p:grpSpPr>
+        <a:xfrm>
+          <a:off x="0" y="0"/>
+          <a:ext cx="0" cy="0"/>
+          <a:chOff x="0" y="0"/>
+          <a:chExt cx="0" cy="0"/>
+        </a:xfrm>
+      </p:grpSpPr>
+      <p:sp>
+        <p:nvSpPr>
+          <p:cNvPr id="80" name="Google Shape;80;p15"/>
+          <p:cNvSpPr txBox="1">
+            <a:spLocks noGrp="1"/>
+          </p:cNvSpPr>
+          <p:nvPr>
+            <p:ph type="title"/>
+          </p:nvPr>
+        </p:nvSpPr>
+        <p:spPr>
+          <a:xfrm>
+            <a:off x="180700" y="76320"/>
+            <a:ext cx="8520600" cy="831300"/>
+          </a:xfrm>
+          <a:prstGeom prst="rect">
+            <a:avLst/>
+          </a:prstGeom>
+        </p:spPr>
+        <p:txBody>
+          <a:bodyPr spcFirstLastPara="1" wrap="square" lIns="91425" tIns="91425" rIns="91425" bIns="91425" anchor="b" anchorCtr="0">
+            <a:normAutofit/>
+          </a:bodyPr>
+          <a:lstStyle/>
+          <a:p>
+            <a:pPr marL="0" lvl="0" indent="0" algn="l" rtl="0">
+              <a:spcBef>
+                <a:spcPts val="0"/>
+              </a:spcBef>
+              <a:spcAft>
+                <a:spcPts val="0"/>
+              </a:spcAft>
+              <a:buNone/>
+            </a:pPr>
+            <a:r>
+              <a:rPr lang="en" sz="2400" dirty="0">
+                <a:latin typeface="Poppins"/>
+                <a:cs typeface="Poppins"/>
+                <a:sym typeface="Poppins"/>
+              </a:rPr>
+              <a:t>Segmentation Results</a:t>
+            </a:r>
+            <a:endParaRPr sz="2400" dirty="0">
+              <a:latin typeface="Poppins"/>
+              <a:cs typeface="Poppins"/>
+              <a:sym typeface="Poppins"/>
+            </a:endParaRPr>
+          </a:p>
+        </p:txBody>
+      </p:sp>
+      <p:pic>
+        <p:nvPicPr>
+          <p:cNvPr id="4" name="Picture 3" descr="Graphical user interface, application, calendar&#10;&#10;Description automatically generated">
+            <a:extLst>
+              <a:ext uri="{FF2B5EF4-FFF2-40B4-BE49-F238E27FC236}">
+                <a16:creationId xmlns:a16="http://schemas.microsoft.com/office/drawing/2014/main" id="{54497525-115D-DA66-FA27-2A675C706A77}"/>
+              </a:ext>
+            </a:extLst>
+          </p:cNvPr>
+          <p:cNvPicPr>
+            <a:picLocks/>
+          </p:cNvPicPr>
+          <p:nvPr/>
+        </p:nvPicPr>
+        <p:blipFill>
+          <a:blip r:embed="rId3"/>
+          <a:srcRect l="9166" r="8759" b="8063"/>
+          <a:stretch>
+            <a:fillRect/>
+          </a:stretch>
+        </p:blipFill>
+        <p:spPr>
+          <a:xfrm>
+            <a:off x="942109" y="1053093"/>
+            <a:ext cx="5562601" cy="3738551"/>
+          </a:xfrm>
+          <a:prstGeom prst="rect">
+            <a:avLst/>
+          </a:prstGeom>
+        </p:spPr>
+      </p:pic>
+    </p:spTree>
+    <p:extLst>
+      <p:ext uri="{BB962C8B-B14F-4D97-AF65-F5344CB8AC3E}">
+        <p14:creationId xmlns:p14="http://schemas.microsoft.com/office/powerpoint/2010/main" val="2995863619"/>
+      </p:ext>
+    </p:extLst>
+  </p:cSld>
+  <p:clrMapOvr>
+    <a:masterClrMapping/>
+  </p:clrMapOvr>
+</p:sld>
+</file>
+
+<file path=ppt/slides/slide8.xml><?xml version="1.0" encoding="utf-8"?>
+<p:sld xmlns:a="http://schemas.openxmlformats.org/drawingml/2006/main" xmlns:r="http://schemas.openxmlformats.org/officeDocument/2006/relationships" xmlns:p="http://schemas.openxmlformats.org/presentationml/2006/main">
+  <p:cSld>
+    <p:spTree>
+      <p:nvGrpSpPr>
+        <p:cNvPr id="1" name="Shape 79"/>
+        <p:cNvGrpSpPr/>
+        <p:nvPr/>
+      </p:nvGrpSpPr>
+      <p:grpSpPr>
+        <a:xfrm>
+          <a:off x="0" y="0"/>
+          <a:ext cx="0" cy="0"/>
+          <a:chOff x="0" y="0"/>
+          <a:chExt cx="0" cy="0"/>
+        </a:xfrm>
+      </p:grpSpPr>
+      <p:sp>
+        <p:nvSpPr>
+          <p:cNvPr id="80" name="Google Shape;80;p15"/>
+          <p:cNvSpPr txBox="1">
+            <a:spLocks noGrp="1"/>
+          </p:cNvSpPr>
+          <p:nvPr>
+            <p:ph type="title"/>
+          </p:nvPr>
+        </p:nvSpPr>
+        <p:spPr>
+          <a:xfrm>
+            <a:off x="180700" y="76320"/>
             <a:ext cx="8520600" cy="831300"/>
           </a:xfrm>
           <a:prstGeom prst="rect">
@@ -11266,8 +10569,8 @@
         </p:nvGrpSpPr>
         <p:grpSpPr>
           <a:xfrm>
-            <a:off x="139163" y="1435752"/>
-            <a:ext cx="4301837" cy="2772196"/>
+            <a:off x="0" y="1255643"/>
+            <a:ext cx="4507988" cy="2905044"/>
             <a:chOff x="83127" y="1165588"/>
             <a:chExt cx="4301837" cy="2772196"/>
           </a:xfrm>
@@ -11552,537 +10855,6 @@
 </p:sld>
 </file>
 
-<file path=ppt/slides/slide5.xml><?xml version="1.0" encoding="utf-8"?>
-<p:sld xmlns:a="http://schemas.openxmlformats.org/drawingml/2006/main" xmlns:r="http://schemas.openxmlformats.org/officeDocument/2006/relationships" xmlns:p="http://schemas.openxmlformats.org/presentationml/2006/main">
-  <p:cSld>
-    <p:spTree>
-      <p:nvGrpSpPr>
-        <p:cNvPr id="1" name="Shape 79"/>
-        <p:cNvGrpSpPr/>
-        <p:nvPr/>
-      </p:nvGrpSpPr>
-      <p:grpSpPr>
-        <a:xfrm>
-          <a:off x="0" y="0"/>
-          <a:ext cx="0" cy="0"/>
-          <a:chOff x="0" y="0"/>
-          <a:chExt cx="0" cy="0"/>
-        </a:xfrm>
-      </p:grpSpPr>
-      <p:sp>
-        <p:nvSpPr>
-          <p:cNvPr id="80" name="Google Shape;80;p15"/>
-          <p:cNvSpPr txBox="1">
-            <a:spLocks noGrp="1"/>
-          </p:cNvSpPr>
-          <p:nvPr>
-            <p:ph type="title"/>
-          </p:nvPr>
-        </p:nvSpPr>
-        <p:spPr>
-          <a:xfrm>
-            <a:off x="180700" y="76320"/>
-            <a:ext cx="8520600" cy="831300"/>
-          </a:xfrm>
-          <a:prstGeom prst="rect">
-            <a:avLst/>
-          </a:prstGeom>
-        </p:spPr>
-        <p:txBody>
-          <a:bodyPr spcFirstLastPara="1" wrap="square" lIns="91425" tIns="91425" rIns="91425" bIns="91425" anchor="b" anchorCtr="0">
-            <a:normAutofit/>
-          </a:bodyPr>
-          <a:lstStyle/>
-          <a:p>
-            <a:pPr marL="0" lvl="0" indent="0" algn="l" rtl="0">
-              <a:spcBef>
-                <a:spcPts val="0"/>
-              </a:spcBef>
-              <a:spcAft>
-                <a:spcPts val="0"/>
-              </a:spcAft>
-              <a:buNone/>
-            </a:pPr>
-            <a:r>
-              <a:rPr lang="en" sz="2400" dirty="0">
-                <a:latin typeface="Poppins"/>
-                <a:cs typeface="Poppins"/>
-                <a:sym typeface="Poppins"/>
-              </a:rPr>
-              <a:t>Results</a:t>
-            </a:r>
-            <a:endParaRPr sz="2400" dirty="0">
-              <a:latin typeface="Poppins"/>
-              <a:cs typeface="Poppins"/>
-              <a:sym typeface="Poppins"/>
-            </a:endParaRPr>
-          </a:p>
-        </p:txBody>
-      </p:sp>
-      <p:sp>
-        <p:nvSpPr>
-          <p:cNvPr id="7" name="Text Placeholder 6">
-            <a:extLst>
-              <a:ext uri="{FF2B5EF4-FFF2-40B4-BE49-F238E27FC236}">
-                <a16:creationId xmlns:a16="http://schemas.microsoft.com/office/drawing/2014/main" id="{ACD21250-9C99-0C77-6349-C9F3951BD120}"/>
-              </a:ext>
-            </a:extLst>
-          </p:cNvPr>
-          <p:cNvSpPr>
-            <a:spLocks noGrp="1"/>
-          </p:cNvSpPr>
-          <p:nvPr>
-            <p:ph type="body" idx="1"/>
-          </p:nvPr>
-        </p:nvSpPr>
-        <p:spPr/>
-        <p:txBody>
-          <a:bodyPr/>
-          <a:lstStyle/>
-          <a:p>
-            <a:endParaRPr lang="en-GB"/>
-          </a:p>
-        </p:txBody>
-      </p:sp>
-    </p:spTree>
-    <p:extLst>
-      <p:ext uri="{BB962C8B-B14F-4D97-AF65-F5344CB8AC3E}">
-        <p14:creationId xmlns:p14="http://schemas.microsoft.com/office/powerpoint/2010/main" val="2257816124"/>
-      </p:ext>
-    </p:extLst>
-  </p:cSld>
-  <p:clrMapOvr>
-    <a:masterClrMapping/>
-  </p:clrMapOvr>
-</p:sld>
-</file>
-
-<file path=ppt/slides/slide6.xml><?xml version="1.0" encoding="utf-8"?>
-<p:sld xmlns:a="http://schemas.openxmlformats.org/drawingml/2006/main" xmlns:r="http://schemas.openxmlformats.org/officeDocument/2006/relationships" xmlns:p="http://schemas.openxmlformats.org/presentationml/2006/main">
-  <p:cSld>
-    <p:spTree>
-      <p:nvGrpSpPr>
-        <p:cNvPr id="1" name="Shape 79"/>
-        <p:cNvGrpSpPr/>
-        <p:nvPr/>
-      </p:nvGrpSpPr>
-      <p:grpSpPr>
-        <a:xfrm>
-          <a:off x="0" y="0"/>
-          <a:ext cx="0" cy="0"/>
-          <a:chOff x="0" y="0"/>
-          <a:chExt cx="0" cy="0"/>
-        </a:xfrm>
-      </p:grpSpPr>
-      <p:sp>
-        <p:nvSpPr>
-          <p:cNvPr id="80" name="Google Shape;80;p15"/>
-          <p:cNvSpPr txBox="1">
-            <a:spLocks noGrp="1"/>
-          </p:cNvSpPr>
-          <p:nvPr>
-            <p:ph type="title"/>
-          </p:nvPr>
-        </p:nvSpPr>
-        <p:spPr>
-          <a:xfrm>
-            <a:off x="180700" y="76320"/>
-            <a:ext cx="8520600" cy="831300"/>
-          </a:xfrm>
-          <a:prstGeom prst="rect">
-            <a:avLst/>
-          </a:prstGeom>
-        </p:spPr>
-        <p:txBody>
-          <a:bodyPr spcFirstLastPara="1" wrap="square" lIns="91425" tIns="91425" rIns="91425" bIns="91425" anchor="b" anchorCtr="0">
-            <a:normAutofit/>
-          </a:bodyPr>
-          <a:lstStyle/>
-          <a:p>
-            <a:pPr marL="0" lvl="0" indent="0" algn="l" rtl="0">
-              <a:spcBef>
-                <a:spcPts val="0"/>
-              </a:spcBef>
-              <a:spcAft>
-                <a:spcPts val="0"/>
-              </a:spcAft>
-              <a:buNone/>
-            </a:pPr>
-            <a:r>
-              <a:rPr lang="en" sz="2400" dirty="0">
-                <a:latin typeface="Poppins"/>
-                <a:cs typeface="Poppins"/>
-                <a:sym typeface="Poppins"/>
-              </a:rPr>
-              <a:t>Repository</a:t>
-            </a:r>
-            <a:endParaRPr sz="2400" dirty="0">
-              <a:latin typeface="Poppins"/>
-              <a:cs typeface="Poppins"/>
-              <a:sym typeface="Poppins"/>
-            </a:endParaRPr>
-          </a:p>
-        </p:txBody>
-      </p:sp>
-      <p:sp>
-        <p:nvSpPr>
-          <p:cNvPr id="7" name="Text Placeholder 6">
-            <a:extLst>
-              <a:ext uri="{FF2B5EF4-FFF2-40B4-BE49-F238E27FC236}">
-                <a16:creationId xmlns:a16="http://schemas.microsoft.com/office/drawing/2014/main" id="{02DC9995-F860-B5E2-C573-F8B94A5C23CB}"/>
-              </a:ext>
-            </a:extLst>
-          </p:cNvPr>
-          <p:cNvSpPr>
-            <a:spLocks noGrp="1"/>
-          </p:cNvSpPr>
-          <p:nvPr>
-            <p:ph type="body" idx="1"/>
-          </p:nvPr>
-        </p:nvSpPr>
-        <p:spPr/>
-        <p:txBody>
-          <a:bodyPr/>
-          <a:lstStyle/>
-          <a:p>
-            <a:endParaRPr lang="en-GB"/>
-          </a:p>
-        </p:txBody>
-      </p:sp>
-    </p:spTree>
-    <p:extLst>
-      <p:ext uri="{BB962C8B-B14F-4D97-AF65-F5344CB8AC3E}">
-        <p14:creationId xmlns:p14="http://schemas.microsoft.com/office/powerpoint/2010/main" val="314088551"/>
-      </p:ext>
-    </p:extLst>
-  </p:cSld>
-  <p:clrMapOvr>
-    <a:masterClrMapping/>
-  </p:clrMapOvr>
-</p:sld>
-</file>
-
-<file path=ppt/slides/slide7.xml><?xml version="1.0" encoding="utf-8"?>
-<p:sld xmlns:a="http://schemas.openxmlformats.org/drawingml/2006/main" xmlns:r="http://schemas.openxmlformats.org/officeDocument/2006/relationships" xmlns:p="http://schemas.openxmlformats.org/presentationml/2006/main">
-  <p:cSld>
-    <p:spTree>
-      <p:nvGrpSpPr>
-        <p:cNvPr id="1" name="Shape 79"/>
-        <p:cNvGrpSpPr/>
-        <p:nvPr/>
-      </p:nvGrpSpPr>
-      <p:grpSpPr>
-        <a:xfrm>
-          <a:off x="0" y="0"/>
-          <a:ext cx="0" cy="0"/>
-          <a:chOff x="0" y="0"/>
-          <a:chExt cx="0" cy="0"/>
-        </a:xfrm>
-      </p:grpSpPr>
-      <p:sp>
-        <p:nvSpPr>
-          <p:cNvPr id="80" name="Google Shape;80;p15"/>
-          <p:cNvSpPr txBox="1">
-            <a:spLocks noGrp="1"/>
-          </p:cNvSpPr>
-          <p:nvPr>
-            <p:ph type="title"/>
-          </p:nvPr>
-        </p:nvSpPr>
-        <p:spPr>
-          <a:xfrm>
-            <a:off x="180700" y="76320"/>
-            <a:ext cx="8520600" cy="831300"/>
-          </a:xfrm>
-          <a:prstGeom prst="rect">
-            <a:avLst/>
-          </a:prstGeom>
-        </p:spPr>
-        <p:txBody>
-          <a:bodyPr spcFirstLastPara="1" wrap="square" lIns="91425" tIns="91425" rIns="91425" bIns="91425" anchor="b" anchorCtr="0">
-            <a:normAutofit/>
-          </a:bodyPr>
-          <a:lstStyle/>
-          <a:p>
-            <a:pPr marL="0" lvl="0" indent="0" algn="l" rtl="0">
-              <a:spcBef>
-                <a:spcPts val="0"/>
-              </a:spcBef>
-              <a:spcAft>
-                <a:spcPts val="0"/>
-              </a:spcAft>
-              <a:buNone/>
-            </a:pPr>
-            <a:r>
-              <a:rPr lang="en" sz="2400" dirty="0">
-                <a:latin typeface="Poppins"/>
-                <a:cs typeface="Poppins"/>
-                <a:sym typeface="Poppins"/>
-              </a:rPr>
-              <a:t>Likes</a:t>
-            </a:r>
-            <a:endParaRPr sz="2400" dirty="0">
-              <a:latin typeface="Poppins"/>
-              <a:cs typeface="Poppins"/>
-              <a:sym typeface="Poppins"/>
-            </a:endParaRPr>
-          </a:p>
-        </p:txBody>
-      </p:sp>
-      <p:sp>
-        <p:nvSpPr>
-          <p:cNvPr id="7" name="Text Placeholder 6">
-            <a:extLst>
-              <a:ext uri="{FF2B5EF4-FFF2-40B4-BE49-F238E27FC236}">
-                <a16:creationId xmlns:a16="http://schemas.microsoft.com/office/drawing/2014/main" id="{02DC9995-F860-B5E2-C573-F8B94A5C23CB}"/>
-              </a:ext>
-            </a:extLst>
-          </p:cNvPr>
-          <p:cNvSpPr>
-            <a:spLocks noGrp="1"/>
-          </p:cNvSpPr>
-          <p:nvPr>
-            <p:ph type="body" idx="1"/>
-          </p:nvPr>
-        </p:nvSpPr>
-        <p:spPr/>
-        <p:txBody>
-          <a:bodyPr/>
-          <a:lstStyle/>
-          <a:p>
-            <a:r>
-              <a:rPr lang="en-GB" dirty="0">
-                <a:latin typeface="Montserrat"/>
-                <a:sym typeface="Montserrat"/>
-              </a:rPr>
-              <a:t>Explainable AI is satisfying. It is important to understand why models make the predictions they do. </a:t>
-            </a:r>
-          </a:p>
-          <a:p>
-            <a:endParaRPr lang="en-GB" dirty="0">
-              <a:latin typeface="Montserrat"/>
-              <a:sym typeface="Montserrat"/>
-            </a:endParaRPr>
-          </a:p>
-          <a:p>
-            <a:r>
-              <a:rPr lang="en-GB" dirty="0">
-                <a:latin typeface="Montserrat"/>
-                <a:sym typeface="Montserrat"/>
-              </a:rPr>
-              <a:t>Data is open source and very easy to load/process. </a:t>
-            </a:r>
-          </a:p>
-          <a:p>
-            <a:endParaRPr lang="en-GB" dirty="0">
-              <a:latin typeface="Montserrat"/>
-              <a:sym typeface="Montserrat"/>
-            </a:endParaRPr>
-          </a:p>
-          <a:p>
-            <a:r>
-              <a:rPr lang="en-GB" dirty="0">
-                <a:latin typeface="Montserrat"/>
-                <a:sym typeface="Montserrat"/>
-              </a:rPr>
-              <a:t>Simple</a:t>
-            </a:r>
-          </a:p>
-          <a:p>
-            <a:endParaRPr lang="en-GB" dirty="0">
-              <a:latin typeface="Montserrat"/>
-              <a:sym typeface="Montserrat"/>
-            </a:endParaRPr>
-          </a:p>
-          <a:p>
-            <a:r>
-              <a:rPr lang="en-GB" dirty="0">
-                <a:latin typeface="Montserrat"/>
-                <a:sym typeface="Montserrat"/>
-              </a:rPr>
-              <a:t>Simple list of requirements</a:t>
-            </a:r>
-            <a:endParaRPr lang="en-GB" dirty="0"/>
-          </a:p>
-          <a:p>
-            <a:endParaRPr lang="en-GB" dirty="0"/>
-          </a:p>
-          <a:p>
-            <a:endParaRPr lang="en-GB" dirty="0"/>
-          </a:p>
-        </p:txBody>
-      </p:sp>
-    </p:spTree>
-    <p:extLst>
-      <p:ext uri="{BB962C8B-B14F-4D97-AF65-F5344CB8AC3E}">
-        <p14:creationId xmlns:p14="http://schemas.microsoft.com/office/powerpoint/2010/main" val="4189776004"/>
-      </p:ext>
-    </p:extLst>
-  </p:cSld>
-  <p:clrMapOvr>
-    <a:masterClrMapping/>
-  </p:clrMapOvr>
-</p:sld>
-</file>
-
-<file path=ppt/slides/slide8.xml><?xml version="1.0" encoding="utf-8"?>
-<p:sld xmlns:a="http://schemas.openxmlformats.org/drawingml/2006/main" xmlns:r="http://schemas.openxmlformats.org/officeDocument/2006/relationships" xmlns:p="http://schemas.openxmlformats.org/presentationml/2006/main">
-  <p:cSld>
-    <p:spTree>
-      <p:nvGrpSpPr>
-        <p:cNvPr id="1" name="Shape 79"/>
-        <p:cNvGrpSpPr/>
-        <p:nvPr/>
-      </p:nvGrpSpPr>
-      <p:grpSpPr>
-        <a:xfrm>
-          <a:off x="0" y="0"/>
-          <a:ext cx="0" cy="0"/>
-          <a:chOff x="0" y="0"/>
-          <a:chExt cx="0" cy="0"/>
-        </a:xfrm>
-      </p:grpSpPr>
-      <p:sp>
-        <p:nvSpPr>
-          <p:cNvPr id="80" name="Google Shape;80;p15"/>
-          <p:cNvSpPr txBox="1">
-            <a:spLocks noGrp="1"/>
-          </p:cNvSpPr>
-          <p:nvPr>
-            <p:ph type="title"/>
-          </p:nvPr>
-        </p:nvSpPr>
-        <p:spPr>
-          <a:xfrm>
-            <a:off x="180700" y="76320"/>
-            <a:ext cx="8520600" cy="831300"/>
-          </a:xfrm>
-          <a:prstGeom prst="rect">
-            <a:avLst/>
-          </a:prstGeom>
-        </p:spPr>
-        <p:txBody>
-          <a:bodyPr spcFirstLastPara="1" wrap="square" lIns="91425" tIns="91425" rIns="91425" bIns="91425" anchor="b" anchorCtr="0">
-            <a:normAutofit/>
-          </a:bodyPr>
-          <a:lstStyle/>
-          <a:p>
-            <a:pPr marL="0" lvl="0" indent="0" algn="l" rtl="0">
-              <a:spcBef>
-                <a:spcPts val="0"/>
-              </a:spcBef>
-              <a:spcAft>
-                <a:spcPts val="0"/>
-              </a:spcAft>
-              <a:buNone/>
-            </a:pPr>
-            <a:r>
-              <a:rPr lang="en" sz="2400" dirty="0">
-                <a:latin typeface="Poppins"/>
-                <a:cs typeface="Poppins"/>
-                <a:sym typeface="Poppins"/>
-              </a:rPr>
-              <a:t>Dislikes</a:t>
-            </a:r>
-            <a:endParaRPr sz="2400" dirty="0">
-              <a:latin typeface="Poppins"/>
-              <a:cs typeface="Poppins"/>
-              <a:sym typeface="Poppins"/>
-            </a:endParaRPr>
-          </a:p>
-        </p:txBody>
-      </p:sp>
-      <p:sp>
-        <p:nvSpPr>
-          <p:cNvPr id="7" name="Text Placeholder 6">
-            <a:extLst>
-              <a:ext uri="{FF2B5EF4-FFF2-40B4-BE49-F238E27FC236}">
-                <a16:creationId xmlns:a16="http://schemas.microsoft.com/office/drawing/2014/main" id="{02DC9995-F860-B5E2-C573-F8B94A5C23CB}"/>
-              </a:ext>
-            </a:extLst>
-          </p:cNvPr>
-          <p:cNvSpPr>
-            <a:spLocks noGrp="1"/>
-          </p:cNvSpPr>
-          <p:nvPr>
-            <p:ph type="body" idx="1"/>
-          </p:nvPr>
-        </p:nvSpPr>
-        <p:spPr/>
-        <p:txBody>
-          <a:bodyPr/>
-          <a:lstStyle/>
-          <a:p>
-            <a:r>
-              <a:rPr lang="en" sz="1800" dirty="0">
-                <a:latin typeface="Montserrat"/>
-                <a:ea typeface="Montserrat"/>
-                <a:cs typeface="Montserrat"/>
-                <a:sym typeface="Montserrat"/>
-              </a:rPr>
-              <a:t>Computing the SHAP values </a:t>
-            </a:r>
-            <a:r>
-              <a:rPr lang="en" sz="1800" b="1" dirty="0">
-                <a:solidFill>
-                  <a:schemeClr val="dk1"/>
-                </a:solidFill>
-                <a:latin typeface="Montserrat"/>
-                <a:ea typeface="Montserrat"/>
-                <a:cs typeface="Montserrat"/>
-                <a:sym typeface="Montserrat"/>
-              </a:rPr>
-              <a:t>isn’t optimized yet to GPUs. Very slow to generate SHAP values</a:t>
-            </a:r>
-          </a:p>
-          <a:p>
-            <a:endParaRPr lang="en-GB" dirty="0"/>
-          </a:p>
-          <a:p>
-            <a:r>
-              <a:rPr lang="en-GB" dirty="0"/>
-              <a:t>No parameter tuning</a:t>
-            </a:r>
-          </a:p>
-          <a:p>
-            <a:endParaRPr lang="en-GB" dirty="0"/>
-          </a:p>
-          <a:p>
-            <a:r>
-              <a:rPr lang="en-GB" dirty="0"/>
-              <a:t>No consideration of transfer learning</a:t>
-            </a:r>
-          </a:p>
-          <a:p>
-            <a:endParaRPr lang="en-GB" dirty="0"/>
-          </a:p>
-          <a:p>
-            <a:r>
-              <a:rPr lang="en-GB" dirty="0"/>
-              <a:t>No in depth evaluation into segmentation performance.</a:t>
-            </a:r>
-          </a:p>
-          <a:p>
-            <a:endParaRPr lang="en-GB" dirty="0"/>
-          </a:p>
-          <a:p>
-            <a:endParaRPr lang="en-GB" dirty="0"/>
-          </a:p>
-        </p:txBody>
-      </p:sp>
-    </p:spTree>
-    <p:extLst>
-      <p:ext uri="{BB962C8B-B14F-4D97-AF65-F5344CB8AC3E}">
-        <p14:creationId xmlns:p14="http://schemas.microsoft.com/office/powerpoint/2010/main" val="805260201"/>
-      </p:ext>
-    </p:extLst>
-  </p:cSld>
-  <p:clrMapOvr>
-    <a:masterClrMapping/>
-  </p:clrMapOvr>
-</p:sld>
-</file>
-
 <file path=ppt/slides/slide9.xml><?xml version="1.0" encoding="utf-8"?>
 <p:sld xmlns:a="http://schemas.openxmlformats.org/drawingml/2006/main" xmlns:r="http://schemas.openxmlformats.org/officeDocument/2006/relationships" xmlns:p="http://schemas.openxmlformats.org/presentationml/2006/main">
   <p:cSld>
@@ -12140,7 +10912,7 @@
                 <a:cs typeface="Poppins"/>
                 <a:sym typeface="Poppins"/>
               </a:rPr>
-              <a:t>Challenges and Further Work</a:t>
+              <a:t>SHAP Values - Example </a:t>
             </a:r>
             <a:endParaRPr sz="2400" dirty="0">
               <a:latin typeface="Poppins"/>
@@ -12150,35 +10922,191 @@
           </a:p>
         </p:txBody>
       </p:sp>
-      <p:sp>
-        <p:nvSpPr>
-          <p:cNvPr id="7" name="Text Placeholder 6">
+      <p:pic>
+        <p:nvPicPr>
+          <p:cNvPr id="26" name="Picture 25" descr="A picture containing display, several&#10;&#10;Description automatically generated">
             <a:extLst>
               <a:ext uri="{FF2B5EF4-FFF2-40B4-BE49-F238E27FC236}">
-                <a16:creationId xmlns:a16="http://schemas.microsoft.com/office/drawing/2014/main" id="{02DC9995-F860-B5E2-C573-F8B94A5C23CB}"/>
+                <a16:creationId xmlns:a16="http://schemas.microsoft.com/office/drawing/2014/main" id="{D109762B-A7A4-A707-0090-F688F643C1A5}"/>
               </a:ext>
             </a:extLst>
           </p:cNvPr>
-          <p:cNvSpPr>
-            <a:spLocks noGrp="1"/>
-          </p:cNvSpPr>
-          <p:nvPr>
-            <p:ph type="body" idx="1"/>
-          </p:nvPr>
+          <p:cNvPicPr>
+            <a:picLocks noChangeAspect="1"/>
+          </p:cNvPicPr>
+          <p:nvPr/>
+        </p:nvPicPr>
+        <p:blipFill rotWithShape="1">
+          <a:blip r:embed="rId3"/>
+          <a:srcRect l="10851" t="10345" r="8964" b="10326"/>
+          <a:stretch/>
+        </p:blipFill>
+        <p:spPr>
+          <a:xfrm>
+            <a:off x="967026" y="1392382"/>
+            <a:ext cx="6608835" cy="2615368"/>
+          </a:xfrm>
+          <a:prstGeom prst="rect">
+            <a:avLst/>
+          </a:prstGeom>
+        </p:spPr>
+      </p:pic>
+      <p:sp>
+        <p:nvSpPr>
+          <p:cNvPr id="28" name="TextBox 27">
+            <a:extLst>
+              <a:ext uri="{FF2B5EF4-FFF2-40B4-BE49-F238E27FC236}">
+                <a16:creationId xmlns:a16="http://schemas.microsoft.com/office/drawing/2014/main" id="{E0668D47-804A-C2C9-F684-A32F4FE5E300}"/>
+              </a:ext>
+            </a:extLst>
+          </p:cNvPr>
+          <p:cNvSpPr txBox="1"/>
+          <p:nvPr/>
         </p:nvSpPr>
-        <p:spPr/>
+        <p:spPr>
+          <a:xfrm>
+            <a:off x="3206789" y="1056573"/>
+            <a:ext cx="2730422" cy="307777"/>
+          </a:xfrm>
+          <a:prstGeom prst="rect">
+            <a:avLst/>
+          </a:prstGeom>
+          <a:noFill/>
+        </p:spPr>
         <p:txBody>
-          <a:bodyPr/>
+          <a:bodyPr wrap="square" rtlCol="0">
+            <a:spAutoFit/>
+          </a:bodyPr>
           <a:lstStyle/>
           <a:p>
-            <a:endParaRPr lang="en-GB"/>
+            <a:r>
+              <a:rPr lang="en-GB" dirty="0"/>
+              <a:t>Feature Contributions</a:t>
+            </a:r>
           </a:p>
         </p:txBody>
       </p:sp>
+      <p:sp>
+        <p:nvSpPr>
+          <p:cNvPr id="29" name="TextBox 28">
+            <a:extLst>
+              <a:ext uri="{FF2B5EF4-FFF2-40B4-BE49-F238E27FC236}">
+                <a16:creationId xmlns:a16="http://schemas.microsoft.com/office/drawing/2014/main" id="{35D7116E-6D2A-AF8E-96F5-91F2E4DD5358}"/>
+              </a:ext>
+            </a:extLst>
+          </p:cNvPr>
+          <p:cNvSpPr txBox="1"/>
+          <p:nvPr/>
+        </p:nvSpPr>
+        <p:spPr>
+          <a:xfrm>
+            <a:off x="2717397" y="4300266"/>
+            <a:ext cx="2424546" cy="646331"/>
+          </a:xfrm>
+          <a:prstGeom prst="rect">
+            <a:avLst/>
+          </a:prstGeom>
+          <a:noFill/>
+        </p:spPr>
+        <p:txBody>
+          <a:bodyPr wrap="square" rtlCol="0">
+            <a:spAutoFit/>
+          </a:bodyPr>
+          <a:lstStyle/>
+          <a:p>
+            <a:r>
+              <a:rPr lang="en-GB" sz="1200" dirty="0"/>
+              <a:t>Semblance contribution is reducing the probability of salt in the predicted mask! </a:t>
+            </a:r>
+          </a:p>
+        </p:txBody>
+      </p:sp>
+      <p:cxnSp>
+        <p:nvCxnSpPr>
+          <p:cNvPr id="31" name="Straight Arrow Connector 30">
+            <a:extLst>
+              <a:ext uri="{FF2B5EF4-FFF2-40B4-BE49-F238E27FC236}">
+                <a16:creationId xmlns:a16="http://schemas.microsoft.com/office/drawing/2014/main" id="{14A128A4-2912-7EA2-62E6-AF65858A69E9}"/>
+              </a:ext>
+            </a:extLst>
+          </p:cNvPr>
+          <p:cNvCxnSpPr>
+            <a:cxnSpLocks/>
+          </p:cNvCxnSpPr>
+          <p:nvPr/>
+        </p:nvCxnSpPr>
+        <p:spPr>
+          <a:xfrm flipH="1" flipV="1">
+            <a:off x="1565564" y="3789218"/>
+            <a:ext cx="1101436" cy="568037"/>
+          </a:xfrm>
+          <a:prstGeom prst="straightConnector1">
+            <a:avLst/>
+          </a:prstGeom>
+          <a:ln>
+            <a:tailEnd type="triangle"/>
+          </a:ln>
+        </p:spPr>
+        <p:style>
+          <a:lnRef idx="1">
+            <a:schemeClr val="accent1"/>
+          </a:lnRef>
+          <a:fillRef idx="0">
+            <a:schemeClr val="accent1"/>
+          </a:fillRef>
+          <a:effectRef idx="0">
+            <a:schemeClr val="accent1"/>
+          </a:effectRef>
+          <a:fontRef idx="minor">
+            <a:schemeClr val="tx1"/>
+          </a:fontRef>
+        </p:style>
+      </p:cxnSp>
+      <p:cxnSp>
+        <p:nvCxnSpPr>
+          <p:cNvPr id="32" name="Straight Arrow Connector 31">
+            <a:extLst>
+              <a:ext uri="{FF2B5EF4-FFF2-40B4-BE49-F238E27FC236}">
+                <a16:creationId xmlns:a16="http://schemas.microsoft.com/office/drawing/2014/main" id="{873E2288-C7A0-17C8-41CC-330784790B74}"/>
+              </a:ext>
+            </a:extLst>
+          </p:cNvPr>
+          <p:cNvCxnSpPr>
+            <a:cxnSpLocks/>
+          </p:cNvCxnSpPr>
+          <p:nvPr/>
+        </p:nvCxnSpPr>
+        <p:spPr>
+          <a:xfrm flipV="1">
+            <a:off x="4793673" y="3719945"/>
+            <a:ext cx="581891" cy="580321"/>
+          </a:xfrm>
+          <a:prstGeom prst="straightConnector1">
+            <a:avLst/>
+          </a:prstGeom>
+          <a:ln>
+            <a:tailEnd type="triangle"/>
+          </a:ln>
+        </p:spPr>
+        <p:style>
+          <a:lnRef idx="1">
+            <a:schemeClr val="accent1"/>
+          </a:lnRef>
+          <a:fillRef idx="0">
+            <a:schemeClr val="accent1"/>
+          </a:fillRef>
+          <a:effectRef idx="0">
+            <a:schemeClr val="accent1"/>
+          </a:effectRef>
+          <a:fontRef idx="minor">
+            <a:schemeClr val="tx1"/>
+          </a:fontRef>
+        </p:style>
+      </p:cxnSp>
     </p:spTree>
     <p:extLst>
       <p:ext uri="{BB962C8B-B14F-4D97-AF65-F5344CB8AC3E}">
-        <p14:creationId xmlns:p14="http://schemas.microsoft.com/office/powerpoint/2010/main" val="679786868"/>
+        <p14:creationId xmlns:p14="http://schemas.microsoft.com/office/powerpoint/2010/main" val="373418019"/>
       </p:ext>
     </p:extLst>
   </p:cSld>
